--- a/_SLIDES/DEEL1/H6/6_Fun with methods.pptx
+++ b/_SLIDES/DEEL1/H6/6_Fun with methods.pptx
@@ -9,27 +9,28 @@
     <p:sldId id="257" r:id="rId3"/>
     <p:sldId id="280" r:id="rId4"/>
     <p:sldId id="263" r:id="rId5"/>
-    <p:sldId id="258" r:id="rId6"/>
-    <p:sldId id="260" r:id="rId7"/>
-    <p:sldId id="261" r:id="rId8"/>
-    <p:sldId id="259" r:id="rId9"/>
-    <p:sldId id="262" r:id="rId10"/>
-    <p:sldId id="264" r:id="rId11"/>
-    <p:sldId id="265" r:id="rId12"/>
-    <p:sldId id="266" r:id="rId13"/>
-    <p:sldId id="267" r:id="rId14"/>
-    <p:sldId id="268" r:id="rId15"/>
-    <p:sldId id="269" r:id="rId16"/>
-    <p:sldId id="270" r:id="rId17"/>
-    <p:sldId id="271" r:id="rId18"/>
-    <p:sldId id="272" r:id="rId19"/>
-    <p:sldId id="273" r:id="rId20"/>
-    <p:sldId id="275" r:id="rId21"/>
-    <p:sldId id="274" r:id="rId22"/>
-    <p:sldId id="276" r:id="rId23"/>
-    <p:sldId id="277" r:id="rId24"/>
-    <p:sldId id="278" r:id="rId25"/>
-    <p:sldId id="279" r:id="rId26"/>
+    <p:sldId id="281" r:id="rId6"/>
+    <p:sldId id="258" r:id="rId7"/>
+    <p:sldId id="260" r:id="rId8"/>
+    <p:sldId id="261" r:id="rId9"/>
+    <p:sldId id="259" r:id="rId10"/>
+    <p:sldId id="262" r:id="rId11"/>
+    <p:sldId id="264" r:id="rId12"/>
+    <p:sldId id="265" r:id="rId13"/>
+    <p:sldId id="266" r:id="rId14"/>
+    <p:sldId id="267" r:id="rId15"/>
+    <p:sldId id="268" r:id="rId16"/>
+    <p:sldId id="269" r:id="rId17"/>
+    <p:sldId id="270" r:id="rId18"/>
+    <p:sldId id="271" r:id="rId19"/>
+    <p:sldId id="272" r:id="rId20"/>
+    <p:sldId id="273" r:id="rId21"/>
+    <p:sldId id="275" r:id="rId22"/>
+    <p:sldId id="274" r:id="rId23"/>
+    <p:sldId id="276" r:id="rId24"/>
+    <p:sldId id="277" r:id="rId25"/>
+    <p:sldId id="278" r:id="rId26"/>
+    <p:sldId id="279" r:id="rId27"/>
   </p:sldIdLst>
   <p:sldSz cx="12192000" cy="6858000"/>
   <p:notesSz cx="6858000" cy="9144000"/>
@@ -362,7 +363,7 @@
           <a:p>
             <a:fld id="{3FC7A63C-6DFF-42EA-B76D-73033DDB80DC}" type="datetimeFigureOut">
               <a:rPr lang="nl-BE" smtClean="0"/>
-              <a:t>2/12/2018</a:t>
+              <a:t>2/12/2019</a:t>
             </a:fld>
             <a:endParaRPr lang="nl-BE"/>
           </a:p>
@@ -570,7 +571,7 @@
           <a:p>
             <a:fld id="{3FC7A63C-6DFF-42EA-B76D-73033DDB80DC}" type="datetimeFigureOut">
               <a:rPr lang="nl-BE" smtClean="0"/>
-              <a:t>2/12/2018</a:t>
+              <a:t>2/12/2019</a:t>
             </a:fld>
             <a:endParaRPr lang="nl-BE"/>
           </a:p>
@@ -826,7 +827,7 @@
           <a:p>
             <a:fld id="{3FC7A63C-6DFF-42EA-B76D-73033DDB80DC}" type="datetimeFigureOut">
               <a:rPr lang="nl-BE" smtClean="0"/>
-              <a:t>2/12/2018</a:t>
+              <a:t>2/12/2019</a:t>
             </a:fld>
             <a:endParaRPr lang="nl-BE"/>
           </a:p>
@@ -1000,7 +1001,7 @@
           <a:p>
             <a:fld id="{3FC7A63C-6DFF-42EA-B76D-73033DDB80DC}" type="datetimeFigureOut">
               <a:rPr lang="nl-BE" smtClean="0"/>
-              <a:t>2/12/2018</a:t>
+              <a:t>2/12/2019</a:t>
             </a:fld>
             <a:endParaRPr lang="nl-BE"/>
           </a:p>
@@ -1343,7 +1344,7 @@
           <a:p>
             <a:fld id="{3FC7A63C-6DFF-42EA-B76D-73033DDB80DC}" type="datetimeFigureOut">
               <a:rPr lang="nl-BE" smtClean="0"/>
-              <a:t>2/12/2018</a:t>
+              <a:t>2/12/2019</a:t>
             </a:fld>
             <a:endParaRPr lang="nl-BE"/>
           </a:p>
@@ -1618,7 +1619,7 @@
           <a:p>
             <a:fld id="{3FC7A63C-6DFF-42EA-B76D-73033DDB80DC}" type="datetimeFigureOut">
               <a:rPr lang="nl-BE" smtClean="0"/>
-              <a:t>2/12/2018</a:t>
+              <a:t>2/12/2019</a:t>
             </a:fld>
             <a:endParaRPr lang="nl-BE"/>
           </a:p>
@@ -1997,7 +1998,7 @@
           <a:p>
             <a:fld id="{3FC7A63C-6DFF-42EA-B76D-73033DDB80DC}" type="datetimeFigureOut">
               <a:rPr lang="nl-BE" smtClean="0"/>
-              <a:t>2/12/2018</a:t>
+              <a:t>2/12/2019</a:t>
             </a:fld>
             <a:endParaRPr lang="nl-BE"/>
           </a:p>
@@ -2115,7 +2116,7 @@
           <a:p>
             <a:fld id="{3FC7A63C-6DFF-42EA-B76D-73033DDB80DC}" type="datetimeFigureOut">
               <a:rPr lang="nl-BE" smtClean="0"/>
-              <a:t>2/12/2018</a:t>
+              <a:t>2/12/2019</a:t>
             </a:fld>
             <a:endParaRPr lang="nl-BE"/>
           </a:p>
@@ -2286,7 +2287,7 @@
           <a:p>
             <a:fld id="{3FC7A63C-6DFF-42EA-B76D-73033DDB80DC}" type="datetimeFigureOut">
               <a:rPr lang="nl-BE" smtClean="0"/>
-              <a:t>2/12/2018</a:t>
+              <a:t>2/12/2019</a:t>
             </a:fld>
             <a:endParaRPr lang="nl-BE"/>
           </a:p>
@@ -2640,7 +2641,7 @@
           <a:p>
             <a:fld id="{3FC7A63C-6DFF-42EA-B76D-73033DDB80DC}" type="datetimeFigureOut">
               <a:rPr lang="nl-BE" smtClean="0"/>
-              <a:t>2/12/2018</a:t>
+              <a:t>2/12/2019</a:t>
             </a:fld>
             <a:endParaRPr lang="nl-BE"/>
           </a:p>
@@ -3022,7 +3023,7 @@
           <a:p>
             <a:fld id="{3FC7A63C-6DFF-42EA-B76D-73033DDB80DC}" type="datetimeFigureOut">
               <a:rPr lang="nl-BE" smtClean="0"/>
-              <a:t>2/12/2018</a:t>
+              <a:t>2/12/2019</a:t>
             </a:fld>
             <a:endParaRPr lang="nl-BE"/>
           </a:p>
@@ -3309,7 +3310,7 @@
           <a:p>
             <a:fld id="{3FC7A63C-6DFF-42EA-B76D-73033DDB80DC}" type="datetimeFigureOut">
               <a:rPr lang="nl-BE" smtClean="0"/>
-              <a:t>2/12/2018</a:t>
+              <a:t>2/12/2019</a:t>
             </a:fld>
             <a:endParaRPr lang="nl-BE"/>
           </a:p>
@@ -3942,19 +3943,19 @@
           <a:p>
             <a:r>
               <a:rPr lang="nl-BE" dirty="0"/>
-              <a:t>Betere naam generator</a:t>
+              <a:t>Stap 1: Aanroep Naam generator v1</a:t>
             </a:r>
           </a:p>
         </p:txBody>
       </p:sp>
       <p:sp>
         <p:nvSpPr>
-          <p:cNvPr id="3" name="Tijdelijke aanduiding voor tekst 2"/>
+          <p:cNvPr id="3" name="Tijdelijke aanduiding voor inhoud 2"/>
           <p:cNvSpPr>
             <a:spLocks noGrp="1"/>
           </p:cNvSpPr>
           <p:nvPr>
-            <p:ph type="body" idx="1"/>
+            <p:ph idx="1"/>
           </p:nvPr>
         </p:nvSpPr>
         <p:spPr/>
@@ -3962,14 +3963,346 @@
           <a:bodyPr/>
           <a:lstStyle/>
           <a:p>
-            <a:endParaRPr lang="nl-BE"/>
+            <a:r>
+              <a:rPr lang="nl-BE" dirty="0"/>
+              <a:t>Bijvoorbeeld achter knop</a:t>
+            </a:r>
           </a:p>
         </p:txBody>
       </p:sp>
+      <p:sp>
+        <p:nvSpPr>
+          <p:cNvPr id="4" name="Rechthoek 3"/>
+          <p:cNvSpPr/>
+          <p:nvPr/>
+        </p:nvSpPr>
+        <p:spPr>
+          <a:xfrm>
+            <a:off x="2141989" y="5530632"/>
+            <a:ext cx="6096000" cy="646331"/>
+          </a:xfrm>
+          <a:prstGeom prst="rect">
+            <a:avLst/>
+          </a:prstGeom>
+        </p:spPr>
+        <p:txBody>
+          <a:bodyPr>
+            <a:spAutoFit/>
+          </a:bodyPr>
+          <a:lstStyle/>
+          <a:p>
+            <a:r>
+              <a:rPr lang="nl-BE" dirty="0">
+                <a:solidFill>
+                  <a:srgbClr val="000000"/>
+                </a:solidFill>
+                <a:highlight>
+                  <a:srgbClr val="FFFFFF"/>
+                </a:highlight>
+                <a:latin typeface="Consolas" panose="020B0609020204030204" pitchFamily="49" charset="0"/>
+              </a:rPr>
+              <a:t> </a:t>
+            </a:r>
+            <a:r>
+              <a:rPr lang="nl-BE" dirty="0">
+                <a:solidFill>
+                  <a:srgbClr val="0000FF"/>
+                </a:solidFill>
+                <a:highlight>
+                  <a:srgbClr val="FFFFFF"/>
+                </a:highlight>
+                <a:latin typeface="Consolas" panose="020B0609020204030204" pitchFamily="49" charset="0"/>
+              </a:rPr>
+              <a:t>string</a:t>
+            </a:r>
+            <a:r>
+              <a:rPr lang="nl-BE" dirty="0">
+                <a:solidFill>
+                  <a:srgbClr val="000000"/>
+                </a:solidFill>
+                <a:highlight>
+                  <a:srgbClr val="FFFFFF"/>
+                </a:highlight>
+                <a:latin typeface="Consolas" panose="020B0609020204030204" pitchFamily="49" charset="0"/>
+              </a:rPr>
+              <a:t> </a:t>
+            </a:r>
+            <a:r>
+              <a:rPr lang="nl-BE" dirty="0" err="1">
+                <a:solidFill>
+                  <a:srgbClr val="000000"/>
+                </a:solidFill>
+                <a:highlight>
+                  <a:srgbClr val="FFFFFF"/>
+                </a:highlight>
+                <a:latin typeface="Consolas" panose="020B0609020204030204" pitchFamily="49" charset="0"/>
+              </a:rPr>
+              <a:t>result</a:t>
+            </a:r>
+            <a:r>
+              <a:rPr lang="nl-BE" dirty="0">
+                <a:solidFill>
+                  <a:srgbClr val="000000"/>
+                </a:solidFill>
+                <a:highlight>
+                  <a:srgbClr val="FFFFFF"/>
+                </a:highlight>
+                <a:latin typeface="Consolas" panose="020B0609020204030204" pitchFamily="49" charset="0"/>
+              </a:rPr>
+              <a:t> = </a:t>
+            </a:r>
+            <a:r>
+              <a:rPr lang="nl-BE" dirty="0" err="1">
+                <a:solidFill>
+                  <a:srgbClr val="000000"/>
+                </a:solidFill>
+                <a:highlight>
+                  <a:srgbClr val="FFFFFF"/>
+                </a:highlight>
+                <a:latin typeface="Consolas" panose="020B0609020204030204" pitchFamily="49" charset="0"/>
+              </a:rPr>
+              <a:t>GenerateNameSimple</a:t>
+            </a:r>
+            <a:r>
+              <a:rPr lang="nl-BE" dirty="0">
+                <a:solidFill>
+                  <a:srgbClr val="000000"/>
+                </a:solidFill>
+                <a:highlight>
+                  <a:srgbClr val="FFFFFF"/>
+                </a:highlight>
+                <a:latin typeface="Consolas" panose="020B0609020204030204" pitchFamily="49" charset="0"/>
+              </a:rPr>
+              <a:t>(10);</a:t>
+            </a:r>
+          </a:p>
+          <a:p>
+            <a:r>
+              <a:rPr lang="nl-BE" dirty="0">
+                <a:solidFill>
+                  <a:srgbClr val="000000"/>
+                </a:solidFill>
+                <a:highlight>
+                  <a:srgbClr val="FFFFFF"/>
+                </a:highlight>
+                <a:latin typeface="Consolas" panose="020B0609020204030204" pitchFamily="49" charset="0"/>
+              </a:rPr>
+              <a:t> </a:t>
+            </a:r>
+            <a:r>
+              <a:rPr lang="nl-BE" dirty="0" err="1">
+                <a:solidFill>
+                  <a:srgbClr val="2B91AF"/>
+                </a:solidFill>
+                <a:highlight>
+                  <a:srgbClr val="FFFFFF"/>
+                </a:highlight>
+                <a:latin typeface="Consolas" panose="020B0609020204030204" pitchFamily="49" charset="0"/>
+              </a:rPr>
+              <a:t>Console.WriteLine</a:t>
+            </a:r>
+            <a:r>
+              <a:rPr lang="nl-BE" dirty="0">
+                <a:solidFill>
+                  <a:srgbClr val="000000"/>
+                </a:solidFill>
+                <a:highlight>
+                  <a:srgbClr val="FFFFFF"/>
+                </a:highlight>
+                <a:latin typeface="Consolas" panose="020B0609020204030204" pitchFamily="49" charset="0"/>
+              </a:rPr>
+              <a:t>(</a:t>
+            </a:r>
+            <a:r>
+              <a:rPr lang="nl-BE" dirty="0" err="1">
+                <a:solidFill>
+                  <a:srgbClr val="000000"/>
+                </a:solidFill>
+                <a:highlight>
+                  <a:srgbClr val="FFFFFF"/>
+                </a:highlight>
+                <a:latin typeface="Consolas" panose="020B0609020204030204" pitchFamily="49" charset="0"/>
+              </a:rPr>
+              <a:t>result</a:t>
+            </a:r>
+            <a:r>
+              <a:rPr lang="nl-BE" dirty="0">
+                <a:solidFill>
+                  <a:srgbClr val="000000"/>
+                </a:solidFill>
+                <a:highlight>
+                  <a:srgbClr val="FFFFFF"/>
+                </a:highlight>
+                <a:latin typeface="Consolas" panose="020B0609020204030204" pitchFamily="49" charset="0"/>
+              </a:rPr>
+              <a:t>);</a:t>
+            </a:r>
+            <a:endParaRPr lang="nl-BE" dirty="0"/>
+          </a:p>
+        </p:txBody>
+      </p:sp>
+      <p:sp>
+        <p:nvSpPr>
+          <p:cNvPr id="6" name="Pijl-rechts 5"/>
+          <p:cNvSpPr/>
+          <p:nvPr/>
+        </p:nvSpPr>
+        <p:spPr>
+          <a:xfrm rot="16200000">
+            <a:off x="5703963" y="4302075"/>
+            <a:ext cx="1938967" cy="645948"/>
+          </a:xfrm>
+          <a:prstGeom prst="rightArrow">
+            <a:avLst/>
+          </a:prstGeom>
+        </p:spPr>
+        <p:style>
+          <a:lnRef idx="2">
+            <a:schemeClr val="accent1">
+              <a:shade val="50000"/>
+            </a:schemeClr>
+          </a:lnRef>
+          <a:fillRef idx="1">
+            <a:schemeClr val="accent1"/>
+          </a:fillRef>
+          <a:effectRef idx="0">
+            <a:schemeClr val="accent1"/>
+          </a:effectRef>
+          <a:fontRef idx="minor">
+            <a:schemeClr val="lt1"/>
+          </a:fontRef>
+        </p:style>
+        <p:txBody>
+          <a:bodyPr rtlCol="0" anchor="ctr"/>
+          <a:lstStyle/>
+          <a:p>
+            <a:pPr algn="ctr"/>
+            <a:r>
+              <a:rPr lang="nl-BE" sz="1600" dirty="0" err="1"/>
+              <a:t>NameLength</a:t>
+            </a:r>
+            <a:r>
+              <a:rPr lang="nl-BE" sz="1600" dirty="0"/>
+              <a:t> , 10</a:t>
+            </a:r>
+          </a:p>
+        </p:txBody>
+      </p:sp>
+      <p:sp>
+        <p:nvSpPr>
+          <p:cNvPr id="7" name="Pijl-rechts 6"/>
+          <p:cNvSpPr/>
+          <p:nvPr/>
+        </p:nvSpPr>
+        <p:spPr>
+          <a:xfrm rot="16200000" flipH="1">
+            <a:off x="2745697" y="4365437"/>
+            <a:ext cx="1939858" cy="520117"/>
+          </a:xfrm>
+          <a:prstGeom prst="rightArrow">
+            <a:avLst/>
+          </a:prstGeom>
+        </p:spPr>
+        <p:style>
+          <a:lnRef idx="2">
+            <a:schemeClr val="accent1">
+              <a:shade val="50000"/>
+            </a:schemeClr>
+          </a:lnRef>
+          <a:fillRef idx="1">
+            <a:schemeClr val="accent1"/>
+          </a:fillRef>
+          <a:effectRef idx="0">
+            <a:schemeClr val="accent1"/>
+          </a:effectRef>
+          <a:fontRef idx="minor">
+            <a:schemeClr val="lt1"/>
+          </a:fontRef>
+        </p:style>
+        <p:txBody>
+          <a:bodyPr rtlCol="0" anchor="ctr"/>
+          <a:lstStyle/>
+          <a:p>
+            <a:pPr algn="ctr"/>
+            <a:r>
+              <a:rPr lang="nl-BE" dirty="0"/>
+              <a:t>Name</a:t>
+            </a:r>
+          </a:p>
+        </p:txBody>
+      </p:sp>
+      <p:sp>
+        <p:nvSpPr>
+          <p:cNvPr id="5" name="Rechthoek 4"/>
+          <p:cNvSpPr/>
+          <p:nvPr/>
+        </p:nvSpPr>
+        <p:spPr>
+          <a:xfrm>
+            <a:off x="3512191" y="2844152"/>
+            <a:ext cx="3355596" cy="811413"/>
+          </a:xfrm>
+          <a:prstGeom prst="rect">
+            <a:avLst/>
+          </a:prstGeom>
+        </p:spPr>
+        <p:style>
+          <a:lnRef idx="2">
+            <a:schemeClr val="accent1">
+              <a:shade val="50000"/>
+            </a:schemeClr>
+          </a:lnRef>
+          <a:fillRef idx="1">
+            <a:schemeClr val="accent1"/>
+          </a:fillRef>
+          <a:effectRef idx="0">
+            <a:schemeClr val="accent1"/>
+          </a:effectRef>
+          <a:fontRef idx="minor">
+            <a:schemeClr val="lt1"/>
+          </a:fontRef>
+        </p:style>
+        <p:txBody>
+          <a:bodyPr rtlCol="0" anchor="ctr"/>
+          <a:lstStyle/>
+          <a:p>
+            <a:pPr algn="ctr"/>
+            <a:r>
+              <a:rPr lang="nl-BE" dirty="0" err="1"/>
+              <a:t>GenerateNameSimple</a:t>
+            </a:r>
+            <a:endParaRPr lang="nl-BE" dirty="0"/>
+          </a:p>
+        </p:txBody>
+      </p:sp>
+      <p:pic>
+        <p:nvPicPr>
+          <p:cNvPr id="8" name="Afbeelding 7"/>
+          <p:cNvPicPr>
+            <a:picLocks noChangeAspect="1"/>
+          </p:cNvPicPr>
+          <p:nvPr/>
+        </p:nvPicPr>
+        <p:blipFill>
+          <a:blip r:embed="rId2"/>
+          <a:stretch>
+            <a:fillRect/>
+          </a:stretch>
+        </p:blipFill>
+        <p:spPr>
+          <a:xfrm>
+            <a:off x="10541577" y="415925"/>
+            <a:ext cx="1333500" cy="1409700"/>
+          </a:xfrm>
+          <a:prstGeom prst="rect">
+            <a:avLst/>
+          </a:prstGeom>
+        </p:spPr>
+      </p:pic>
     </p:spTree>
     <p:extLst>
       <p:ext uri="{BB962C8B-B14F-4D97-AF65-F5344CB8AC3E}">
-        <p14:creationId xmlns:p14="http://schemas.microsoft.com/office/powerpoint/2010/main" val="1739820684"/>
+        <p14:creationId xmlns:p14="http://schemas.microsoft.com/office/powerpoint/2010/main" val="963736240"/>
       </p:ext>
     </p:extLst>
   </p:cSld>
@@ -4013,6 +4346,77 @@
           <a:p>
             <a:r>
               <a:rPr lang="nl-BE" dirty="0"/>
+              <a:t>Betere naam generator</a:t>
+            </a:r>
+          </a:p>
+        </p:txBody>
+      </p:sp>
+      <p:sp>
+        <p:nvSpPr>
+          <p:cNvPr id="3" name="Tijdelijke aanduiding voor tekst 2"/>
+          <p:cNvSpPr>
+            <a:spLocks noGrp="1"/>
+          </p:cNvSpPr>
+          <p:nvPr>
+            <p:ph type="body" idx="1"/>
+          </p:nvPr>
+        </p:nvSpPr>
+        <p:spPr/>
+        <p:txBody>
+          <a:bodyPr/>
+          <a:lstStyle/>
+          <a:p>
+            <a:endParaRPr lang="nl-BE"/>
+          </a:p>
+        </p:txBody>
+      </p:sp>
+    </p:spTree>
+    <p:extLst>
+      <p:ext uri="{BB962C8B-B14F-4D97-AF65-F5344CB8AC3E}">
+        <p14:creationId xmlns:p14="http://schemas.microsoft.com/office/powerpoint/2010/main" val="1739820684"/>
+      </p:ext>
+    </p:extLst>
+  </p:cSld>
+  <p:clrMapOvr>
+    <a:masterClrMapping/>
+  </p:clrMapOvr>
+</p:sld>
+</file>
+
+<file path=ppt/slides/slide12.xml><?xml version="1.0" encoding="utf-8"?>
+<p:sld xmlns:a="http://schemas.openxmlformats.org/drawingml/2006/main" xmlns:r="http://schemas.openxmlformats.org/officeDocument/2006/relationships" xmlns:p="http://schemas.openxmlformats.org/presentationml/2006/main">
+  <p:cSld>
+    <p:spTree>
+      <p:nvGrpSpPr>
+        <p:cNvPr id="1" name=""/>
+        <p:cNvGrpSpPr/>
+        <p:nvPr/>
+      </p:nvGrpSpPr>
+      <p:grpSpPr>
+        <a:xfrm>
+          <a:off x="0" y="0"/>
+          <a:ext cx="0" cy="0"/>
+          <a:chOff x="0" y="0"/>
+          <a:chExt cx="0" cy="0"/>
+        </a:xfrm>
+      </p:grpSpPr>
+      <p:sp>
+        <p:nvSpPr>
+          <p:cNvPr id="2" name="Titel 1"/>
+          <p:cNvSpPr>
+            <a:spLocks noGrp="1"/>
+          </p:cNvSpPr>
+          <p:nvPr>
+            <p:ph type="title"/>
+          </p:nvPr>
+        </p:nvSpPr>
+        <p:spPr/>
+        <p:txBody>
+          <a:bodyPr/>
+          <a:lstStyle/>
+          <a:p>
+            <a:r>
+              <a:rPr lang="nl-BE" dirty="0"/>
               <a:t>Nadeel eerste naamgenerator</a:t>
             </a:r>
           </a:p>
@@ -4071,7 +4475,7 @@
 </p:sld>
 </file>
 
-<file path=ppt/slides/slide12.xml><?xml version="1.0" encoding="utf-8"?>
+<file path=ppt/slides/slide13.xml><?xml version="1.0" encoding="utf-8"?>
 <p:sld xmlns:a="http://schemas.openxmlformats.org/drawingml/2006/main" xmlns:r="http://schemas.openxmlformats.org/officeDocument/2006/relationships" xmlns:p="http://schemas.openxmlformats.org/presentationml/2006/main">
   <p:cSld>
     <p:spTree>
@@ -4837,756 +5241,6 @@
 </p:sld>
 </file>
 
-<file path=ppt/slides/slide13.xml><?xml version="1.0" encoding="utf-8"?>
-<p:sld xmlns:a="http://schemas.openxmlformats.org/drawingml/2006/main" xmlns:r="http://schemas.openxmlformats.org/officeDocument/2006/relationships" xmlns:p="http://schemas.openxmlformats.org/presentationml/2006/main">
-  <p:cSld>
-    <p:spTree>
-      <p:nvGrpSpPr>
-        <p:cNvPr id="1" name=""/>
-        <p:cNvGrpSpPr/>
-        <p:nvPr/>
-      </p:nvGrpSpPr>
-      <p:grpSpPr>
-        <a:xfrm>
-          <a:off x="0" y="0"/>
-          <a:ext cx="0" cy="0"/>
-          <a:chOff x="0" y="0"/>
-          <a:chExt cx="0" cy="0"/>
-        </a:xfrm>
-      </p:grpSpPr>
-      <p:sp>
-        <p:nvSpPr>
-          <p:cNvPr id="2" name="Titel 1"/>
-          <p:cNvSpPr>
-            <a:spLocks noGrp="1"/>
-          </p:cNvSpPr>
-          <p:nvPr>
-            <p:ph type="title"/>
-          </p:nvPr>
-        </p:nvSpPr>
-        <p:spPr/>
-        <p:txBody>
-          <a:bodyPr/>
-          <a:lstStyle/>
-          <a:p>
-            <a:r>
-              <a:rPr lang="nl-BE" dirty="0" err="1"/>
-              <a:t>IsKlinker</a:t>
-            </a:r>
-            <a:endParaRPr lang="nl-BE" dirty="0"/>
-          </a:p>
-        </p:txBody>
-      </p:sp>
-      <p:sp>
-        <p:nvSpPr>
-          <p:cNvPr id="4" name="Rechthoek 3"/>
-          <p:cNvSpPr/>
-          <p:nvPr/>
-        </p:nvSpPr>
-        <p:spPr>
-          <a:xfrm>
-            <a:off x="3761064" y="1825625"/>
-            <a:ext cx="6096000" cy="4524315"/>
-          </a:xfrm>
-          <a:prstGeom prst="rect">
-            <a:avLst/>
-          </a:prstGeom>
-        </p:spPr>
-        <p:txBody>
-          <a:bodyPr>
-            <a:spAutoFit/>
-          </a:bodyPr>
-          <a:lstStyle/>
-          <a:p>
-            <a:r>
-              <a:rPr lang="nl-BE" dirty="0">
-                <a:solidFill>
-                  <a:srgbClr val="000000"/>
-                </a:solidFill>
-                <a:highlight>
-                  <a:srgbClr val="FFFFFF"/>
-                </a:highlight>
-                <a:latin typeface="Consolas" panose="020B0609020204030204" pitchFamily="49" charset="0"/>
-              </a:rPr>
-              <a:t>        </a:t>
-            </a:r>
-            <a:r>
-              <a:rPr lang="nl-BE" dirty="0" err="1">
-                <a:solidFill>
-                  <a:srgbClr val="0000FF"/>
-                </a:solidFill>
-                <a:highlight>
-                  <a:srgbClr val="FFFFFF"/>
-                </a:highlight>
-                <a:latin typeface="Consolas" panose="020B0609020204030204" pitchFamily="49" charset="0"/>
-              </a:rPr>
-              <a:t>bool</a:t>
-            </a:r>
-            <a:r>
-              <a:rPr lang="nl-BE" dirty="0">
-                <a:solidFill>
-                  <a:srgbClr val="000000"/>
-                </a:solidFill>
-                <a:highlight>
-                  <a:srgbClr val="FFFFFF"/>
-                </a:highlight>
-                <a:latin typeface="Consolas" panose="020B0609020204030204" pitchFamily="49" charset="0"/>
-              </a:rPr>
-              <a:t> </a:t>
-            </a:r>
-            <a:r>
-              <a:rPr lang="nl-BE" dirty="0" err="1">
-                <a:solidFill>
-                  <a:srgbClr val="000000"/>
-                </a:solidFill>
-                <a:highlight>
-                  <a:srgbClr val="FFFFFF"/>
-                </a:highlight>
-                <a:latin typeface="Consolas" panose="020B0609020204030204" pitchFamily="49" charset="0"/>
-              </a:rPr>
-              <a:t>IsKlinker</a:t>
-            </a:r>
-            <a:r>
-              <a:rPr lang="nl-BE" dirty="0">
-                <a:solidFill>
-                  <a:srgbClr val="000000"/>
-                </a:solidFill>
-                <a:highlight>
-                  <a:srgbClr val="FFFFFF"/>
-                </a:highlight>
-                <a:latin typeface="Consolas" panose="020B0609020204030204" pitchFamily="49" charset="0"/>
-              </a:rPr>
-              <a:t>(</a:t>
-            </a:r>
-            <a:r>
-              <a:rPr lang="nl-BE" dirty="0" err="1">
-                <a:solidFill>
-                  <a:srgbClr val="0000FF"/>
-                </a:solidFill>
-                <a:highlight>
-                  <a:srgbClr val="FFFFFF"/>
-                </a:highlight>
-                <a:latin typeface="Consolas" panose="020B0609020204030204" pitchFamily="49" charset="0"/>
-              </a:rPr>
-              <a:t>char</a:t>
-            </a:r>
-            <a:r>
-              <a:rPr lang="nl-BE" dirty="0">
-                <a:solidFill>
-                  <a:srgbClr val="000000"/>
-                </a:solidFill>
-                <a:highlight>
-                  <a:srgbClr val="FFFFFF"/>
-                </a:highlight>
-                <a:latin typeface="Consolas" panose="020B0609020204030204" pitchFamily="49" charset="0"/>
-              </a:rPr>
-              <a:t> teken)</a:t>
-            </a:r>
-          </a:p>
-          <a:p>
-            <a:r>
-              <a:rPr lang="nl-BE" dirty="0">
-                <a:solidFill>
-                  <a:srgbClr val="000000"/>
-                </a:solidFill>
-                <a:highlight>
-                  <a:srgbClr val="FFFFFF"/>
-                </a:highlight>
-                <a:latin typeface="Consolas" panose="020B0609020204030204" pitchFamily="49" charset="0"/>
-              </a:rPr>
-              <a:t>        {</a:t>
-            </a:r>
-          </a:p>
-          <a:p>
-            <a:r>
-              <a:rPr lang="nl-BE" dirty="0">
-                <a:solidFill>
-                  <a:srgbClr val="000000"/>
-                </a:solidFill>
-                <a:highlight>
-                  <a:srgbClr val="FFFFFF"/>
-                </a:highlight>
-                <a:latin typeface="Consolas" panose="020B0609020204030204" pitchFamily="49" charset="0"/>
-              </a:rPr>
-              <a:t>            </a:t>
-            </a:r>
-            <a:r>
-              <a:rPr lang="nl-BE" dirty="0">
-                <a:solidFill>
-                  <a:srgbClr val="0000FF"/>
-                </a:solidFill>
-                <a:highlight>
-                  <a:srgbClr val="FFFFFF"/>
-                </a:highlight>
-                <a:latin typeface="Consolas" panose="020B0609020204030204" pitchFamily="49" charset="0"/>
-              </a:rPr>
-              <a:t>switch</a:t>
-            </a:r>
-            <a:r>
-              <a:rPr lang="nl-BE" dirty="0">
-                <a:solidFill>
-                  <a:srgbClr val="000000"/>
-                </a:solidFill>
-                <a:highlight>
-                  <a:srgbClr val="FFFFFF"/>
-                </a:highlight>
-                <a:latin typeface="Consolas" panose="020B0609020204030204" pitchFamily="49" charset="0"/>
-              </a:rPr>
-              <a:t> (teken)</a:t>
-            </a:r>
-          </a:p>
-          <a:p>
-            <a:r>
-              <a:rPr lang="nl-BE" dirty="0">
-                <a:solidFill>
-                  <a:srgbClr val="000000"/>
-                </a:solidFill>
-                <a:highlight>
-                  <a:srgbClr val="FFFFFF"/>
-                </a:highlight>
-                <a:latin typeface="Consolas" panose="020B0609020204030204" pitchFamily="49" charset="0"/>
-              </a:rPr>
-              <a:t>            {</a:t>
-            </a:r>
-          </a:p>
-          <a:p>
-            <a:r>
-              <a:rPr lang="nl-BE" dirty="0">
-                <a:solidFill>
-                  <a:srgbClr val="000000"/>
-                </a:solidFill>
-                <a:highlight>
-                  <a:srgbClr val="FFFFFF"/>
-                </a:highlight>
-                <a:latin typeface="Consolas" panose="020B0609020204030204" pitchFamily="49" charset="0"/>
-              </a:rPr>
-              <a:t>                </a:t>
-            </a:r>
-            <a:r>
-              <a:rPr lang="nl-BE" dirty="0">
-                <a:solidFill>
-                  <a:srgbClr val="0000FF"/>
-                </a:solidFill>
-                <a:highlight>
-                  <a:srgbClr val="FFFFFF"/>
-                </a:highlight>
-                <a:latin typeface="Consolas" panose="020B0609020204030204" pitchFamily="49" charset="0"/>
-              </a:rPr>
-              <a:t>case</a:t>
-            </a:r>
-            <a:r>
-              <a:rPr lang="nl-BE" dirty="0">
-                <a:solidFill>
-                  <a:srgbClr val="000000"/>
-                </a:solidFill>
-                <a:highlight>
-                  <a:srgbClr val="FFFFFF"/>
-                </a:highlight>
-                <a:latin typeface="Consolas" panose="020B0609020204030204" pitchFamily="49" charset="0"/>
-              </a:rPr>
-              <a:t> </a:t>
-            </a:r>
-            <a:r>
-              <a:rPr lang="nl-BE" dirty="0">
-                <a:solidFill>
-                  <a:srgbClr val="A31515"/>
-                </a:solidFill>
-                <a:highlight>
-                  <a:srgbClr val="FFFFFF"/>
-                </a:highlight>
-                <a:latin typeface="Consolas" panose="020B0609020204030204" pitchFamily="49" charset="0"/>
-              </a:rPr>
-              <a:t>'E'</a:t>
-            </a:r>
-            <a:r>
-              <a:rPr lang="nl-BE" dirty="0">
-                <a:solidFill>
-                  <a:srgbClr val="000000"/>
-                </a:solidFill>
-                <a:highlight>
-                  <a:srgbClr val="FFFFFF"/>
-                </a:highlight>
-                <a:latin typeface="Consolas" panose="020B0609020204030204" pitchFamily="49" charset="0"/>
-              </a:rPr>
-              <a:t>:</a:t>
-            </a:r>
-          </a:p>
-          <a:p>
-            <a:r>
-              <a:rPr lang="nl-BE" dirty="0">
-                <a:solidFill>
-                  <a:srgbClr val="000000"/>
-                </a:solidFill>
-                <a:highlight>
-                  <a:srgbClr val="FFFFFF"/>
-                </a:highlight>
-                <a:latin typeface="Consolas" panose="020B0609020204030204" pitchFamily="49" charset="0"/>
-              </a:rPr>
-              <a:t>                </a:t>
-            </a:r>
-            <a:r>
-              <a:rPr lang="nl-BE" dirty="0">
-                <a:solidFill>
-                  <a:srgbClr val="0000FF"/>
-                </a:solidFill>
-                <a:highlight>
-                  <a:srgbClr val="FFFFFF"/>
-                </a:highlight>
-                <a:latin typeface="Consolas" panose="020B0609020204030204" pitchFamily="49" charset="0"/>
-              </a:rPr>
-              <a:t>case</a:t>
-            </a:r>
-            <a:r>
-              <a:rPr lang="nl-BE" dirty="0">
-                <a:solidFill>
-                  <a:srgbClr val="000000"/>
-                </a:solidFill>
-                <a:highlight>
-                  <a:srgbClr val="FFFFFF"/>
-                </a:highlight>
-                <a:latin typeface="Consolas" panose="020B0609020204030204" pitchFamily="49" charset="0"/>
-              </a:rPr>
-              <a:t> </a:t>
-            </a:r>
-            <a:r>
-              <a:rPr lang="nl-BE" dirty="0">
-                <a:solidFill>
-                  <a:srgbClr val="A31515"/>
-                </a:solidFill>
-                <a:highlight>
-                  <a:srgbClr val="FFFFFF"/>
-                </a:highlight>
-                <a:latin typeface="Consolas" panose="020B0609020204030204" pitchFamily="49" charset="0"/>
-              </a:rPr>
-              <a:t>'I'</a:t>
-            </a:r>
-            <a:r>
-              <a:rPr lang="nl-BE" dirty="0">
-                <a:solidFill>
-                  <a:srgbClr val="000000"/>
-                </a:solidFill>
-                <a:highlight>
-                  <a:srgbClr val="FFFFFF"/>
-                </a:highlight>
-                <a:latin typeface="Consolas" panose="020B0609020204030204" pitchFamily="49" charset="0"/>
-              </a:rPr>
-              <a:t>:</a:t>
-            </a:r>
-          </a:p>
-          <a:p>
-            <a:r>
-              <a:rPr lang="nl-BE" dirty="0">
-                <a:solidFill>
-                  <a:srgbClr val="000000"/>
-                </a:solidFill>
-                <a:highlight>
-                  <a:srgbClr val="FFFFFF"/>
-                </a:highlight>
-                <a:latin typeface="Consolas" panose="020B0609020204030204" pitchFamily="49" charset="0"/>
-              </a:rPr>
-              <a:t>                </a:t>
-            </a:r>
-            <a:r>
-              <a:rPr lang="nl-BE" dirty="0">
-                <a:solidFill>
-                  <a:srgbClr val="0000FF"/>
-                </a:solidFill>
-                <a:highlight>
-                  <a:srgbClr val="FFFFFF"/>
-                </a:highlight>
-                <a:latin typeface="Consolas" panose="020B0609020204030204" pitchFamily="49" charset="0"/>
-              </a:rPr>
-              <a:t>case</a:t>
-            </a:r>
-            <a:r>
-              <a:rPr lang="nl-BE" dirty="0">
-                <a:solidFill>
-                  <a:srgbClr val="000000"/>
-                </a:solidFill>
-                <a:highlight>
-                  <a:srgbClr val="FFFFFF"/>
-                </a:highlight>
-                <a:latin typeface="Consolas" panose="020B0609020204030204" pitchFamily="49" charset="0"/>
-              </a:rPr>
-              <a:t> </a:t>
-            </a:r>
-            <a:r>
-              <a:rPr lang="nl-BE" dirty="0">
-                <a:solidFill>
-                  <a:srgbClr val="A31515"/>
-                </a:solidFill>
-                <a:highlight>
-                  <a:srgbClr val="FFFFFF"/>
-                </a:highlight>
-                <a:latin typeface="Consolas" panose="020B0609020204030204" pitchFamily="49" charset="0"/>
-              </a:rPr>
-              <a:t>'O'</a:t>
-            </a:r>
-            <a:r>
-              <a:rPr lang="nl-BE" dirty="0">
-                <a:solidFill>
-                  <a:srgbClr val="000000"/>
-                </a:solidFill>
-                <a:highlight>
-                  <a:srgbClr val="FFFFFF"/>
-                </a:highlight>
-                <a:latin typeface="Consolas" panose="020B0609020204030204" pitchFamily="49" charset="0"/>
-              </a:rPr>
-              <a:t>:</a:t>
-            </a:r>
-          </a:p>
-          <a:p>
-            <a:r>
-              <a:rPr lang="nl-BE" dirty="0">
-                <a:solidFill>
-                  <a:srgbClr val="000000"/>
-                </a:solidFill>
-                <a:highlight>
-                  <a:srgbClr val="FFFFFF"/>
-                </a:highlight>
-                <a:latin typeface="Consolas" panose="020B0609020204030204" pitchFamily="49" charset="0"/>
-              </a:rPr>
-              <a:t>                </a:t>
-            </a:r>
-            <a:r>
-              <a:rPr lang="nl-BE" dirty="0">
-                <a:solidFill>
-                  <a:srgbClr val="0000FF"/>
-                </a:solidFill>
-                <a:highlight>
-                  <a:srgbClr val="FFFFFF"/>
-                </a:highlight>
-                <a:latin typeface="Consolas" panose="020B0609020204030204" pitchFamily="49" charset="0"/>
-              </a:rPr>
-              <a:t>case</a:t>
-            </a:r>
-            <a:r>
-              <a:rPr lang="nl-BE" dirty="0">
-                <a:solidFill>
-                  <a:srgbClr val="000000"/>
-                </a:solidFill>
-                <a:highlight>
-                  <a:srgbClr val="FFFFFF"/>
-                </a:highlight>
-                <a:latin typeface="Consolas" panose="020B0609020204030204" pitchFamily="49" charset="0"/>
-              </a:rPr>
-              <a:t> </a:t>
-            </a:r>
-            <a:r>
-              <a:rPr lang="nl-BE" dirty="0">
-                <a:solidFill>
-                  <a:srgbClr val="A31515"/>
-                </a:solidFill>
-                <a:highlight>
-                  <a:srgbClr val="FFFFFF"/>
-                </a:highlight>
-                <a:latin typeface="Consolas" panose="020B0609020204030204" pitchFamily="49" charset="0"/>
-              </a:rPr>
-              <a:t>'A'</a:t>
-            </a:r>
-            <a:r>
-              <a:rPr lang="nl-BE" dirty="0">
-                <a:solidFill>
-                  <a:srgbClr val="000000"/>
-                </a:solidFill>
-                <a:highlight>
-                  <a:srgbClr val="FFFFFF"/>
-                </a:highlight>
-                <a:latin typeface="Consolas" panose="020B0609020204030204" pitchFamily="49" charset="0"/>
-              </a:rPr>
-              <a:t>:</a:t>
-            </a:r>
-          </a:p>
-          <a:p>
-            <a:r>
-              <a:rPr lang="nl-BE" dirty="0">
-                <a:solidFill>
-                  <a:srgbClr val="000000"/>
-                </a:solidFill>
-                <a:highlight>
-                  <a:srgbClr val="FFFFFF"/>
-                </a:highlight>
-                <a:latin typeface="Consolas" panose="020B0609020204030204" pitchFamily="49" charset="0"/>
-              </a:rPr>
-              <a:t>                </a:t>
-            </a:r>
-            <a:r>
-              <a:rPr lang="nl-BE" dirty="0">
-                <a:solidFill>
-                  <a:srgbClr val="0000FF"/>
-                </a:solidFill>
-                <a:highlight>
-                  <a:srgbClr val="FFFFFF"/>
-                </a:highlight>
-                <a:latin typeface="Consolas" panose="020B0609020204030204" pitchFamily="49" charset="0"/>
-              </a:rPr>
-              <a:t>case</a:t>
-            </a:r>
-            <a:r>
-              <a:rPr lang="nl-BE" dirty="0">
-                <a:solidFill>
-                  <a:srgbClr val="000000"/>
-                </a:solidFill>
-                <a:highlight>
-                  <a:srgbClr val="FFFFFF"/>
-                </a:highlight>
-                <a:latin typeface="Consolas" panose="020B0609020204030204" pitchFamily="49" charset="0"/>
-              </a:rPr>
-              <a:t> </a:t>
-            </a:r>
-            <a:r>
-              <a:rPr lang="nl-BE" dirty="0">
-                <a:solidFill>
-                  <a:srgbClr val="A31515"/>
-                </a:solidFill>
-                <a:highlight>
-                  <a:srgbClr val="FFFFFF"/>
-                </a:highlight>
-                <a:latin typeface="Consolas" panose="020B0609020204030204" pitchFamily="49" charset="0"/>
-              </a:rPr>
-              <a:t>'U'</a:t>
-            </a:r>
-            <a:r>
-              <a:rPr lang="nl-BE" dirty="0">
-                <a:solidFill>
-                  <a:srgbClr val="000000"/>
-                </a:solidFill>
-                <a:highlight>
-                  <a:srgbClr val="FFFFFF"/>
-                </a:highlight>
-                <a:latin typeface="Consolas" panose="020B0609020204030204" pitchFamily="49" charset="0"/>
-              </a:rPr>
-              <a:t>:</a:t>
-            </a:r>
-          </a:p>
-          <a:p>
-            <a:r>
-              <a:rPr lang="nl-BE" dirty="0">
-                <a:solidFill>
-                  <a:srgbClr val="000000"/>
-                </a:solidFill>
-                <a:highlight>
-                  <a:srgbClr val="FFFFFF"/>
-                </a:highlight>
-                <a:latin typeface="Consolas" panose="020B0609020204030204" pitchFamily="49" charset="0"/>
-              </a:rPr>
-              <a:t>                    </a:t>
-            </a:r>
-            <a:r>
-              <a:rPr lang="nl-BE" dirty="0">
-                <a:solidFill>
-                  <a:srgbClr val="0000FF"/>
-                </a:solidFill>
-                <a:highlight>
-                  <a:srgbClr val="FFFFFF"/>
-                </a:highlight>
-                <a:latin typeface="Consolas" panose="020B0609020204030204" pitchFamily="49" charset="0"/>
-              </a:rPr>
-              <a:t>return</a:t>
-            </a:r>
-            <a:r>
-              <a:rPr lang="nl-BE" dirty="0">
-                <a:solidFill>
-                  <a:srgbClr val="000000"/>
-                </a:solidFill>
-                <a:highlight>
-                  <a:srgbClr val="FFFFFF"/>
-                </a:highlight>
-                <a:latin typeface="Consolas" panose="020B0609020204030204" pitchFamily="49" charset="0"/>
-              </a:rPr>
-              <a:t> </a:t>
-            </a:r>
-            <a:r>
-              <a:rPr lang="nl-BE" dirty="0" err="1">
-                <a:solidFill>
-                  <a:srgbClr val="0000FF"/>
-                </a:solidFill>
-                <a:highlight>
-                  <a:srgbClr val="FFFFFF"/>
-                </a:highlight>
-                <a:latin typeface="Consolas" panose="020B0609020204030204" pitchFamily="49" charset="0"/>
-              </a:rPr>
-              <a:t>true</a:t>
-            </a:r>
-            <a:r>
-              <a:rPr lang="nl-BE" dirty="0">
-                <a:solidFill>
-                  <a:srgbClr val="000000"/>
-                </a:solidFill>
-                <a:highlight>
-                  <a:srgbClr val="FFFFFF"/>
-                </a:highlight>
-                <a:latin typeface="Consolas" panose="020B0609020204030204" pitchFamily="49" charset="0"/>
-              </a:rPr>
-              <a:t>;</a:t>
-            </a:r>
-          </a:p>
-          <a:p>
-            <a:r>
-              <a:rPr lang="nl-BE" dirty="0">
-                <a:solidFill>
-                  <a:srgbClr val="000000"/>
-                </a:solidFill>
-                <a:highlight>
-                  <a:srgbClr val="FFFFFF"/>
-                </a:highlight>
-                <a:latin typeface="Consolas" panose="020B0609020204030204" pitchFamily="49" charset="0"/>
-              </a:rPr>
-              <a:t>                </a:t>
-            </a:r>
-            <a:r>
-              <a:rPr lang="nl-BE" dirty="0">
-                <a:solidFill>
-                  <a:srgbClr val="0000FF"/>
-                </a:solidFill>
-                <a:highlight>
-                  <a:srgbClr val="FFFFFF"/>
-                </a:highlight>
-                <a:latin typeface="Consolas" panose="020B0609020204030204" pitchFamily="49" charset="0"/>
-              </a:rPr>
-              <a:t>default</a:t>
-            </a:r>
-            <a:r>
-              <a:rPr lang="nl-BE" dirty="0">
-                <a:solidFill>
-                  <a:srgbClr val="000000"/>
-                </a:solidFill>
-                <a:highlight>
-                  <a:srgbClr val="FFFFFF"/>
-                </a:highlight>
-                <a:latin typeface="Consolas" panose="020B0609020204030204" pitchFamily="49" charset="0"/>
-              </a:rPr>
-              <a:t>:</a:t>
-            </a:r>
-          </a:p>
-          <a:p>
-            <a:r>
-              <a:rPr lang="nl-BE" dirty="0">
-                <a:solidFill>
-                  <a:srgbClr val="000000"/>
-                </a:solidFill>
-                <a:highlight>
-                  <a:srgbClr val="FFFFFF"/>
-                </a:highlight>
-                <a:latin typeface="Consolas" panose="020B0609020204030204" pitchFamily="49" charset="0"/>
-              </a:rPr>
-              <a:t>                    </a:t>
-            </a:r>
-            <a:r>
-              <a:rPr lang="nl-BE" dirty="0">
-                <a:solidFill>
-                  <a:srgbClr val="0000FF"/>
-                </a:solidFill>
-                <a:highlight>
-                  <a:srgbClr val="FFFFFF"/>
-                </a:highlight>
-                <a:latin typeface="Consolas" panose="020B0609020204030204" pitchFamily="49" charset="0"/>
-              </a:rPr>
-              <a:t>return</a:t>
-            </a:r>
-            <a:r>
-              <a:rPr lang="nl-BE" dirty="0">
-                <a:solidFill>
-                  <a:srgbClr val="000000"/>
-                </a:solidFill>
-                <a:highlight>
-                  <a:srgbClr val="FFFFFF"/>
-                </a:highlight>
-                <a:latin typeface="Consolas" panose="020B0609020204030204" pitchFamily="49" charset="0"/>
-              </a:rPr>
-              <a:t> </a:t>
-            </a:r>
-            <a:r>
-              <a:rPr lang="nl-BE" dirty="0" err="1">
-                <a:solidFill>
-                  <a:srgbClr val="0000FF"/>
-                </a:solidFill>
-                <a:highlight>
-                  <a:srgbClr val="FFFFFF"/>
-                </a:highlight>
-                <a:latin typeface="Consolas" panose="020B0609020204030204" pitchFamily="49" charset="0"/>
-              </a:rPr>
-              <a:t>false</a:t>
-            </a:r>
-            <a:r>
-              <a:rPr lang="nl-BE" dirty="0">
-                <a:solidFill>
-                  <a:srgbClr val="000000"/>
-                </a:solidFill>
-                <a:highlight>
-                  <a:srgbClr val="FFFFFF"/>
-                </a:highlight>
-                <a:latin typeface="Consolas" panose="020B0609020204030204" pitchFamily="49" charset="0"/>
-              </a:rPr>
-              <a:t>;</a:t>
-            </a:r>
-          </a:p>
-          <a:p>
-            <a:endParaRPr lang="nl-BE" dirty="0">
-              <a:solidFill>
-                <a:srgbClr val="000000"/>
-              </a:solidFill>
-              <a:highlight>
-                <a:srgbClr val="FFFFFF"/>
-              </a:highlight>
-              <a:latin typeface="Consolas" panose="020B0609020204030204" pitchFamily="49" charset="0"/>
-            </a:endParaRPr>
-          </a:p>
-          <a:p>
-            <a:r>
-              <a:rPr lang="nl-BE" dirty="0">
-                <a:solidFill>
-                  <a:srgbClr val="000000"/>
-                </a:solidFill>
-                <a:highlight>
-                  <a:srgbClr val="FFFFFF"/>
-                </a:highlight>
-                <a:latin typeface="Consolas" panose="020B0609020204030204" pitchFamily="49" charset="0"/>
-              </a:rPr>
-              <a:t>            }</a:t>
-            </a:r>
-          </a:p>
-          <a:p>
-            <a:endParaRPr lang="nl-BE" dirty="0">
-              <a:solidFill>
-                <a:srgbClr val="000000"/>
-              </a:solidFill>
-              <a:highlight>
-                <a:srgbClr val="FFFFFF"/>
-              </a:highlight>
-              <a:latin typeface="Consolas" panose="020B0609020204030204" pitchFamily="49" charset="0"/>
-            </a:endParaRPr>
-          </a:p>
-          <a:p>
-            <a:r>
-              <a:rPr lang="nl-BE" dirty="0">
-                <a:solidFill>
-                  <a:srgbClr val="000000"/>
-                </a:solidFill>
-                <a:highlight>
-                  <a:srgbClr val="FFFFFF"/>
-                </a:highlight>
-                <a:latin typeface="Consolas" panose="020B0609020204030204" pitchFamily="49" charset="0"/>
-              </a:rPr>
-              <a:t>        }</a:t>
-            </a:r>
-            <a:endParaRPr lang="nl-BE" dirty="0"/>
-          </a:p>
-        </p:txBody>
-      </p:sp>
-    </p:spTree>
-    <p:extLst>
-      <p:ext uri="{BB962C8B-B14F-4D97-AF65-F5344CB8AC3E}">
-        <p14:creationId xmlns:p14="http://schemas.microsoft.com/office/powerpoint/2010/main" val="2851379731"/>
-      </p:ext>
-    </p:extLst>
-  </p:cSld>
-  <p:clrMapOvr>
-    <a:masterClrMapping/>
-  </p:clrMapOvr>
-</p:sld>
-</file>
-
 <file path=ppt/slides/slide14.xml><?xml version="1.0" encoding="utf-8"?>
 <p:sld xmlns:a="http://schemas.openxmlformats.org/drawingml/2006/main" xmlns:r="http://schemas.openxmlformats.org/officeDocument/2006/relationships" xmlns:p="http://schemas.openxmlformats.org/presentationml/2006/main">
   <p:cSld>
@@ -5621,6 +5275,756 @@
           <a:p>
             <a:r>
               <a:rPr lang="nl-BE" dirty="0" err="1"/>
+              <a:t>IsKlinker</a:t>
+            </a:r>
+            <a:endParaRPr lang="nl-BE" dirty="0"/>
+          </a:p>
+        </p:txBody>
+      </p:sp>
+      <p:sp>
+        <p:nvSpPr>
+          <p:cNvPr id="4" name="Rechthoek 3"/>
+          <p:cNvSpPr/>
+          <p:nvPr/>
+        </p:nvSpPr>
+        <p:spPr>
+          <a:xfrm>
+            <a:off x="3761064" y="1825625"/>
+            <a:ext cx="6096000" cy="4524315"/>
+          </a:xfrm>
+          <a:prstGeom prst="rect">
+            <a:avLst/>
+          </a:prstGeom>
+        </p:spPr>
+        <p:txBody>
+          <a:bodyPr>
+            <a:spAutoFit/>
+          </a:bodyPr>
+          <a:lstStyle/>
+          <a:p>
+            <a:r>
+              <a:rPr lang="nl-BE" dirty="0">
+                <a:solidFill>
+                  <a:srgbClr val="000000"/>
+                </a:solidFill>
+                <a:highlight>
+                  <a:srgbClr val="FFFFFF"/>
+                </a:highlight>
+                <a:latin typeface="Consolas" panose="020B0609020204030204" pitchFamily="49" charset="0"/>
+              </a:rPr>
+              <a:t>        </a:t>
+            </a:r>
+            <a:r>
+              <a:rPr lang="nl-BE" dirty="0" err="1">
+                <a:solidFill>
+                  <a:srgbClr val="0000FF"/>
+                </a:solidFill>
+                <a:highlight>
+                  <a:srgbClr val="FFFFFF"/>
+                </a:highlight>
+                <a:latin typeface="Consolas" panose="020B0609020204030204" pitchFamily="49" charset="0"/>
+              </a:rPr>
+              <a:t>bool</a:t>
+            </a:r>
+            <a:r>
+              <a:rPr lang="nl-BE" dirty="0">
+                <a:solidFill>
+                  <a:srgbClr val="000000"/>
+                </a:solidFill>
+                <a:highlight>
+                  <a:srgbClr val="FFFFFF"/>
+                </a:highlight>
+                <a:latin typeface="Consolas" panose="020B0609020204030204" pitchFamily="49" charset="0"/>
+              </a:rPr>
+              <a:t> </a:t>
+            </a:r>
+            <a:r>
+              <a:rPr lang="nl-BE" dirty="0" err="1">
+                <a:solidFill>
+                  <a:srgbClr val="000000"/>
+                </a:solidFill>
+                <a:highlight>
+                  <a:srgbClr val="FFFFFF"/>
+                </a:highlight>
+                <a:latin typeface="Consolas" panose="020B0609020204030204" pitchFamily="49" charset="0"/>
+              </a:rPr>
+              <a:t>IsKlinker</a:t>
+            </a:r>
+            <a:r>
+              <a:rPr lang="nl-BE" dirty="0">
+                <a:solidFill>
+                  <a:srgbClr val="000000"/>
+                </a:solidFill>
+                <a:highlight>
+                  <a:srgbClr val="FFFFFF"/>
+                </a:highlight>
+                <a:latin typeface="Consolas" panose="020B0609020204030204" pitchFamily="49" charset="0"/>
+              </a:rPr>
+              <a:t>(</a:t>
+            </a:r>
+            <a:r>
+              <a:rPr lang="nl-BE" dirty="0" err="1">
+                <a:solidFill>
+                  <a:srgbClr val="0000FF"/>
+                </a:solidFill>
+                <a:highlight>
+                  <a:srgbClr val="FFFFFF"/>
+                </a:highlight>
+                <a:latin typeface="Consolas" panose="020B0609020204030204" pitchFamily="49" charset="0"/>
+              </a:rPr>
+              <a:t>char</a:t>
+            </a:r>
+            <a:r>
+              <a:rPr lang="nl-BE" dirty="0">
+                <a:solidFill>
+                  <a:srgbClr val="000000"/>
+                </a:solidFill>
+                <a:highlight>
+                  <a:srgbClr val="FFFFFF"/>
+                </a:highlight>
+                <a:latin typeface="Consolas" panose="020B0609020204030204" pitchFamily="49" charset="0"/>
+              </a:rPr>
+              <a:t> teken)</a:t>
+            </a:r>
+          </a:p>
+          <a:p>
+            <a:r>
+              <a:rPr lang="nl-BE" dirty="0">
+                <a:solidFill>
+                  <a:srgbClr val="000000"/>
+                </a:solidFill>
+                <a:highlight>
+                  <a:srgbClr val="FFFFFF"/>
+                </a:highlight>
+                <a:latin typeface="Consolas" panose="020B0609020204030204" pitchFamily="49" charset="0"/>
+              </a:rPr>
+              <a:t>        {</a:t>
+            </a:r>
+          </a:p>
+          <a:p>
+            <a:r>
+              <a:rPr lang="nl-BE" dirty="0">
+                <a:solidFill>
+                  <a:srgbClr val="000000"/>
+                </a:solidFill>
+                <a:highlight>
+                  <a:srgbClr val="FFFFFF"/>
+                </a:highlight>
+                <a:latin typeface="Consolas" panose="020B0609020204030204" pitchFamily="49" charset="0"/>
+              </a:rPr>
+              <a:t>            </a:t>
+            </a:r>
+            <a:r>
+              <a:rPr lang="nl-BE" dirty="0">
+                <a:solidFill>
+                  <a:srgbClr val="0000FF"/>
+                </a:solidFill>
+                <a:highlight>
+                  <a:srgbClr val="FFFFFF"/>
+                </a:highlight>
+                <a:latin typeface="Consolas" panose="020B0609020204030204" pitchFamily="49" charset="0"/>
+              </a:rPr>
+              <a:t>switch</a:t>
+            </a:r>
+            <a:r>
+              <a:rPr lang="nl-BE" dirty="0">
+                <a:solidFill>
+                  <a:srgbClr val="000000"/>
+                </a:solidFill>
+                <a:highlight>
+                  <a:srgbClr val="FFFFFF"/>
+                </a:highlight>
+                <a:latin typeface="Consolas" panose="020B0609020204030204" pitchFamily="49" charset="0"/>
+              </a:rPr>
+              <a:t> (teken)</a:t>
+            </a:r>
+          </a:p>
+          <a:p>
+            <a:r>
+              <a:rPr lang="nl-BE" dirty="0">
+                <a:solidFill>
+                  <a:srgbClr val="000000"/>
+                </a:solidFill>
+                <a:highlight>
+                  <a:srgbClr val="FFFFFF"/>
+                </a:highlight>
+                <a:latin typeface="Consolas" panose="020B0609020204030204" pitchFamily="49" charset="0"/>
+              </a:rPr>
+              <a:t>            {</a:t>
+            </a:r>
+          </a:p>
+          <a:p>
+            <a:r>
+              <a:rPr lang="nl-BE" dirty="0">
+                <a:solidFill>
+                  <a:srgbClr val="000000"/>
+                </a:solidFill>
+                <a:highlight>
+                  <a:srgbClr val="FFFFFF"/>
+                </a:highlight>
+                <a:latin typeface="Consolas" panose="020B0609020204030204" pitchFamily="49" charset="0"/>
+              </a:rPr>
+              <a:t>                </a:t>
+            </a:r>
+            <a:r>
+              <a:rPr lang="nl-BE" dirty="0">
+                <a:solidFill>
+                  <a:srgbClr val="0000FF"/>
+                </a:solidFill>
+                <a:highlight>
+                  <a:srgbClr val="FFFFFF"/>
+                </a:highlight>
+                <a:latin typeface="Consolas" panose="020B0609020204030204" pitchFamily="49" charset="0"/>
+              </a:rPr>
+              <a:t>case</a:t>
+            </a:r>
+            <a:r>
+              <a:rPr lang="nl-BE" dirty="0">
+                <a:solidFill>
+                  <a:srgbClr val="000000"/>
+                </a:solidFill>
+                <a:highlight>
+                  <a:srgbClr val="FFFFFF"/>
+                </a:highlight>
+                <a:latin typeface="Consolas" panose="020B0609020204030204" pitchFamily="49" charset="0"/>
+              </a:rPr>
+              <a:t> </a:t>
+            </a:r>
+            <a:r>
+              <a:rPr lang="nl-BE" dirty="0">
+                <a:solidFill>
+                  <a:srgbClr val="A31515"/>
+                </a:solidFill>
+                <a:highlight>
+                  <a:srgbClr val="FFFFFF"/>
+                </a:highlight>
+                <a:latin typeface="Consolas" panose="020B0609020204030204" pitchFamily="49" charset="0"/>
+              </a:rPr>
+              <a:t>'E'</a:t>
+            </a:r>
+            <a:r>
+              <a:rPr lang="nl-BE" dirty="0">
+                <a:solidFill>
+                  <a:srgbClr val="000000"/>
+                </a:solidFill>
+                <a:highlight>
+                  <a:srgbClr val="FFFFFF"/>
+                </a:highlight>
+                <a:latin typeface="Consolas" panose="020B0609020204030204" pitchFamily="49" charset="0"/>
+              </a:rPr>
+              <a:t>:</a:t>
+            </a:r>
+          </a:p>
+          <a:p>
+            <a:r>
+              <a:rPr lang="nl-BE" dirty="0">
+                <a:solidFill>
+                  <a:srgbClr val="000000"/>
+                </a:solidFill>
+                <a:highlight>
+                  <a:srgbClr val="FFFFFF"/>
+                </a:highlight>
+                <a:latin typeface="Consolas" panose="020B0609020204030204" pitchFamily="49" charset="0"/>
+              </a:rPr>
+              <a:t>                </a:t>
+            </a:r>
+            <a:r>
+              <a:rPr lang="nl-BE" dirty="0">
+                <a:solidFill>
+                  <a:srgbClr val="0000FF"/>
+                </a:solidFill>
+                <a:highlight>
+                  <a:srgbClr val="FFFFFF"/>
+                </a:highlight>
+                <a:latin typeface="Consolas" panose="020B0609020204030204" pitchFamily="49" charset="0"/>
+              </a:rPr>
+              <a:t>case</a:t>
+            </a:r>
+            <a:r>
+              <a:rPr lang="nl-BE" dirty="0">
+                <a:solidFill>
+                  <a:srgbClr val="000000"/>
+                </a:solidFill>
+                <a:highlight>
+                  <a:srgbClr val="FFFFFF"/>
+                </a:highlight>
+                <a:latin typeface="Consolas" panose="020B0609020204030204" pitchFamily="49" charset="0"/>
+              </a:rPr>
+              <a:t> </a:t>
+            </a:r>
+            <a:r>
+              <a:rPr lang="nl-BE" dirty="0">
+                <a:solidFill>
+                  <a:srgbClr val="A31515"/>
+                </a:solidFill>
+                <a:highlight>
+                  <a:srgbClr val="FFFFFF"/>
+                </a:highlight>
+                <a:latin typeface="Consolas" panose="020B0609020204030204" pitchFamily="49" charset="0"/>
+              </a:rPr>
+              <a:t>'I'</a:t>
+            </a:r>
+            <a:r>
+              <a:rPr lang="nl-BE" dirty="0">
+                <a:solidFill>
+                  <a:srgbClr val="000000"/>
+                </a:solidFill>
+                <a:highlight>
+                  <a:srgbClr val="FFFFFF"/>
+                </a:highlight>
+                <a:latin typeface="Consolas" panose="020B0609020204030204" pitchFamily="49" charset="0"/>
+              </a:rPr>
+              <a:t>:</a:t>
+            </a:r>
+          </a:p>
+          <a:p>
+            <a:r>
+              <a:rPr lang="nl-BE" dirty="0">
+                <a:solidFill>
+                  <a:srgbClr val="000000"/>
+                </a:solidFill>
+                <a:highlight>
+                  <a:srgbClr val="FFFFFF"/>
+                </a:highlight>
+                <a:latin typeface="Consolas" panose="020B0609020204030204" pitchFamily="49" charset="0"/>
+              </a:rPr>
+              <a:t>                </a:t>
+            </a:r>
+            <a:r>
+              <a:rPr lang="nl-BE" dirty="0">
+                <a:solidFill>
+                  <a:srgbClr val="0000FF"/>
+                </a:solidFill>
+                <a:highlight>
+                  <a:srgbClr val="FFFFFF"/>
+                </a:highlight>
+                <a:latin typeface="Consolas" panose="020B0609020204030204" pitchFamily="49" charset="0"/>
+              </a:rPr>
+              <a:t>case</a:t>
+            </a:r>
+            <a:r>
+              <a:rPr lang="nl-BE" dirty="0">
+                <a:solidFill>
+                  <a:srgbClr val="000000"/>
+                </a:solidFill>
+                <a:highlight>
+                  <a:srgbClr val="FFFFFF"/>
+                </a:highlight>
+                <a:latin typeface="Consolas" panose="020B0609020204030204" pitchFamily="49" charset="0"/>
+              </a:rPr>
+              <a:t> </a:t>
+            </a:r>
+            <a:r>
+              <a:rPr lang="nl-BE" dirty="0">
+                <a:solidFill>
+                  <a:srgbClr val="A31515"/>
+                </a:solidFill>
+                <a:highlight>
+                  <a:srgbClr val="FFFFFF"/>
+                </a:highlight>
+                <a:latin typeface="Consolas" panose="020B0609020204030204" pitchFamily="49" charset="0"/>
+              </a:rPr>
+              <a:t>'O'</a:t>
+            </a:r>
+            <a:r>
+              <a:rPr lang="nl-BE" dirty="0">
+                <a:solidFill>
+                  <a:srgbClr val="000000"/>
+                </a:solidFill>
+                <a:highlight>
+                  <a:srgbClr val="FFFFFF"/>
+                </a:highlight>
+                <a:latin typeface="Consolas" panose="020B0609020204030204" pitchFamily="49" charset="0"/>
+              </a:rPr>
+              <a:t>:</a:t>
+            </a:r>
+          </a:p>
+          <a:p>
+            <a:r>
+              <a:rPr lang="nl-BE" dirty="0">
+                <a:solidFill>
+                  <a:srgbClr val="000000"/>
+                </a:solidFill>
+                <a:highlight>
+                  <a:srgbClr val="FFFFFF"/>
+                </a:highlight>
+                <a:latin typeface="Consolas" panose="020B0609020204030204" pitchFamily="49" charset="0"/>
+              </a:rPr>
+              <a:t>                </a:t>
+            </a:r>
+            <a:r>
+              <a:rPr lang="nl-BE" dirty="0">
+                <a:solidFill>
+                  <a:srgbClr val="0000FF"/>
+                </a:solidFill>
+                <a:highlight>
+                  <a:srgbClr val="FFFFFF"/>
+                </a:highlight>
+                <a:latin typeface="Consolas" panose="020B0609020204030204" pitchFamily="49" charset="0"/>
+              </a:rPr>
+              <a:t>case</a:t>
+            </a:r>
+            <a:r>
+              <a:rPr lang="nl-BE" dirty="0">
+                <a:solidFill>
+                  <a:srgbClr val="000000"/>
+                </a:solidFill>
+                <a:highlight>
+                  <a:srgbClr val="FFFFFF"/>
+                </a:highlight>
+                <a:latin typeface="Consolas" panose="020B0609020204030204" pitchFamily="49" charset="0"/>
+              </a:rPr>
+              <a:t> </a:t>
+            </a:r>
+            <a:r>
+              <a:rPr lang="nl-BE" dirty="0">
+                <a:solidFill>
+                  <a:srgbClr val="A31515"/>
+                </a:solidFill>
+                <a:highlight>
+                  <a:srgbClr val="FFFFFF"/>
+                </a:highlight>
+                <a:latin typeface="Consolas" panose="020B0609020204030204" pitchFamily="49" charset="0"/>
+              </a:rPr>
+              <a:t>'A'</a:t>
+            </a:r>
+            <a:r>
+              <a:rPr lang="nl-BE" dirty="0">
+                <a:solidFill>
+                  <a:srgbClr val="000000"/>
+                </a:solidFill>
+                <a:highlight>
+                  <a:srgbClr val="FFFFFF"/>
+                </a:highlight>
+                <a:latin typeface="Consolas" panose="020B0609020204030204" pitchFamily="49" charset="0"/>
+              </a:rPr>
+              <a:t>:</a:t>
+            </a:r>
+          </a:p>
+          <a:p>
+            <a:r>
+              <a:rPr lang="nl-BE" dirty="0">
+                <a:solidFill>
+                  <a:srgbClr val="000000"/>
+                </a:solidFill>
+                <a:highlight>
+                  <a:srgbClr val="FFFFFF"/>
+                </a:highlight>
+                <a:latin typeface="Consolas" panose="020B0609020204030204" pitchFamily="49" charset="0"/>
+              </a:rPr>
+              <a:t>                </a:t>
+            </a:r>
+            <a:r>
+              <a:rPr lang="nl-BE" dirty="0">
+                <a:solidFill>
+                  <a:srgbClr val="0000FF"/>
+                </a:solidFill>
+                <a:highlight>
+                  <a:srgbClr val="FFFFFF"/>
+                </a:highlight>
+                <a:latin typeface="Consolas" panose="020B0609020204030204" pitchFamily="49" charset="0"/>
+              </a:rPr>
+              <a:t>case</a:t>
+            </a:r>
+            <a:r>
+              <a:rPr lang="nl-BE" dirty="0">
+                <a:solidFill>
+                  <a:srgbClr val="000000"/>
+                </a:solidFill>
+                <a:highlight>
+                  <a:srgbClr val="FFFFFF"/>
+                </a:highlight>
+                <a:latin typeface="Consolas" panose="020B0609020204030204" pitchFamily="49" charset="0"/>
+              </a:rPr>
+              <a:t> </a:t>
+            </a:r>
+            <a:r>
+              <a:rPr lang="nl-BE" dirty="0">
+                <a:solidFill>
+                  <a:srgbClr val="A31515"/>
+                </a:solidFill>
+                <a:highlight>
+                  <a:srgbClr val="FFFFFF"/>
+                </a:highlight>
+                <a:latin typeface="Consolas" panose="020B0609020204030204" pitchFamily="49" charset="0"/>
+              </a:rPr>
+              <a:t>'U'</a:t>
+            </a:r>
+            <a:r>
+              <a:rPr lang="nl-BE" dirty="0">
+                <a:solidFill>
+                  <a:srgbClr val="000000"/>
+                </a:solidFill>
+                <a:highlight>
+                  <a:srgbClr val="FFFFFF"/>
+                </a:highlight>
+                <a:latin typeface="Consolas" panose="020B0609020204030204" pitchFamily="49" charset="0"/>
+              </a:rPr>
+              <a:t>:</a:t>
+            </a:r>
+          </a:p>
+          <a:p>
+            <a:r>
+              <a:rPr lang="nl-BE" dirty="0">
+                <a:solidFill>
+                  <a:srgbClr val="000000"/>
+                </a:solidFill>
+                <a:highlight>
+                  <a:srgbClr val="FFFFFF"/>
+                </a:highlight>
+                <a:latin typeface="Consolas" panose="020B0609020204030204" pitchFamily="49" charset="0"/>
+              </a:rPr>
+              <a:t>                    </a:t>
+            </a:r>
+            <a:r>
+              <a:rPr lang="nl-BE" dirty="0">
+                <a:solidFill>
+                  <a:srgbClr val="0000FF"/>
+                </a:solidFill>
+                <a:highlight>
+                  <a:srgbClr val="FFFFFF"/>
+                </a:highlight>
+                <a:latin typeface="Consolas" panose="020B0609020204030204" pitchFamily="49" charset="0"/>
+              </a:rPr>
+              <a:t>return</a:t>
+            </a:r>
+            <a:r>
+              <a:rPr lang="nl-BE" dirty="0">
+                <a:solidFill>
+                  <a:srgbClr val="000000"/>
+                </a:solidFill>
+                <a:highlight>
+                  <a:srgbClr val="FFFFFF"/>
+                </a:highlight>
+                <a:latin typeface="Consolas" panose="020B0609020204030204" pitchFamily="49" charset="0"/>
+              </a:rPr>
+              <a:t> </a:t>
+            </a:r>
+            <a:r>
+              <a:rPr lang="nl-BE" dirty="0" err="1">
+                <a:solidFill>
+                  <a:srgbClr val="0000FF"/>
+                </a:solidFill>
+                <a:highlight>
+                  <a:srgbClr val="FFFFFF"/>
+                </a:highlight>
+                <a:latin typeface="Consolas" panose="020B0609020204030204" pitchFamily="49" charset="0"/>
+              </a:rPr>
+              <a:t>true</a:t>
+            </a:r>
+            <a:r>
+              <a:rPr lang="nl-BE" dirty="0">
+                <a:solidFill>
+                  <a:srgbClr val="000000"/>
+                </a:solidFill>
+                <a:highlight>
+                  <a:srgbClr val="FFFFFF"/>
+                </a:highlight>
+                <a:latin typeface="Consolas" panose="020B0609020204030204" pitchFamily="49" charset="0"/>
+              </a:rPr>
+              <a:t>;</a:t>
+            </a:r>
+          </a:p>
+          <a:p>
+            <a:r>
+              <a:rPr lang="nl-BE" dirty="0">
+                <a:solidFill>
+                  <a:srgbClr val="000000"/>
+                </a:solidFill>
+                <a:highlight>
+                  <a:srgbClr val="FFFFFF"/>
+                </a:highlight>
+                <a:latin typeface="Consolas" panose="020B0609020204030204" pitchFamily="49" charset="0"/>
+              </a:rPr>
+              <a:t>                </a:t>
+            </a:r>
+            <a:r>
+              <a:rPr lang="nl-BE" dirty="0">
+                <a:solidFill>
+                  <a:srgbClr val="0000FF"/>
+                </a:solidFill>
+                <a:highlight>
+                  <a:srgbClr val="FFFFFF"/>
+                </a:highlight>
+                <a:latin typeface="Consolas" panose="020B0609020204030204" pitchFamily="49" charset="0"/>
+              </a:rPr>
+              <a:t>default</a:t>
+            </a:r>
+            <a:r>
+              <a:rPr lang="nl-BE" dirty="0">
+                <a:solidFill>
+                  <a:srgbClr val="000000"/>
+                </a:solidFill>
+                <a:highlight>
+                  <a:srgbClr val="FFFFFF"/>
+                </a:highlight>
+                <a:latin typeface="Consolas" panose="020B0609020204030204" pitchFamily="49" charset="0"/>
+              </a:rPr>
+              <a:t>:</a:t>
+            </a:r>
+          </a:p>
+          <a:p>
+            <a:r>
+              <a:rPr lang="nl-BE" dirty="0">
+                <a:solidFill>
+                  <a:srgbClr val="000000"/>
+                </a:solidFill>
+                <a:highlight>
+                  <a:srgbClr val="FFFFFF"/>
+                </a:highlight>
+                <a:latin typeface="Consolas" panose="020B0609020204030204" pitchFamily="49" charset="0"/>
+              </a:rPr>
+              <a:t>                    </a:t>
+            </a:r>
+            <a:r>
+              <a:rPr lang="nl-BE" dirty="0">
+                <a:solidFill>
+                  <a:srgbClr val="0000FF"/>
+                </a:solidFill>
+                <a:highlight>
+                  <a:srgbClr val="FFFFFF"/>
+                </a:highlight>
+                <a:latin typeface="Consolas" panose="020B0609020204030204" pitchFamily="49" charset="0"/>
+              </a:rPr>
+              <a:t>return</a:t>
+            </a:r>
+            <a:r>
+              <a:rPr lang="nl-BE" dirty="0">
+                <a:solidFill>
+                  <a:srgbClr val="000000"/>
+                </a:solidFill>
+                <a:highlight>
+                  <a:srgbClr val="FFFFFF"/>
+                </a:highlight>
+                <a:latin typeface="Consolas" panose="020B0609020204030204" pitchFamily="49" charset="0"/>
+              </a:rPr>
+              <a:t> </a:t>
+            </a:r>
+            <a:r>
+              <a:rPr lang="nl-BE" dirty="0" err="1">
+                <a:solidFill>
+                  <a:srgbClr val="0000FF"/>
+                </a:solidFill>
+                <a:highlight>
+                  <a:srgbClr val="FFFFFF"/>
+                </a:highlight>
+                <a:latin typeface="Consolas" panose="020B0609020204030204" pitchFamily="49" charset="0"/>
+              </a:rPr>
+              <a:t>false</a:t>
+            </a:r>
+            <a:r>
+              <a:rPr lang="nl-BE" dirty="0">
+                <a:solidFill>
+                  <a:srgbClr val="000000"/>
+                </a:solidFill>
+                <a:highlight>
+                  <a:srgbClr val="FFFFFF"/>
+                </a:highlight>
+                <a:latin typeface="Consolas" panose="020B0609020204030204" pitchFamily="49" charset="0"/>
+              </a:rPr>
+              <a:t>;</a:t>
+            </a:r>
+          </a:p>
+          <a:p>
+            <a:endParaRPr lang="nl-BE" dirty="0">
+              <a:solidFill>
+                <a:srgbClr val="000000"/>
+              </a:solidFill>
+              <a:highlight>
+                <a:srgbClr val="FFFFFF"/>
+              </a:highlight>
+              <a:latin typeface="Consolas" panose="020B0609020204030204" pitchFamily="49" charset="0"/>
+            </a:endParaRPr>
+          </a:p>
+          <a:p>
+            <a:r>
+              <a:rPr lang="nl-BE" dirty="0">
+                <a:solidFill>
+                  <a:srgbClr val="000000"/>
+                </a:solidFill>
+                <a:highlight>
+                  <a:srgbClr val="FFFFFF"/>
+                </a:highlight>
+                <a:latin typeface="Consolas" panose="020B0609020204030204" pitchFamily="49" charset="0"/>
+              </a:rPr>
+              <a:t>            }</a:t>
+            </a:r>
+          </a:p>
+          <a:p>
+            <a:endParaRPr lang="nl-BE" dirty="0">
+              <a:solidFill>
+                <a:srgbClr val="000000"/>
+              </a:solidFill>
+              <a:highlight>
+                <a:srgbClr val="FFFFFF"/>
+              </a:highlight>
+              <a:latin typeface="Consolas" panose="020B0609020204030204" pitchFamily="49" charset="0"/>
+            </a:endParaRPr>
+          </a:p>
+          <a:p>
+            <a:r>
+              <a:rPr lang="nl-BE" dirty="0">
+                <a:solidFill>
+                  <a:srgbClr val="000000"/>
+                </a:solidFill>
+                <a:highlight>
+                  <a:srgbClr val="FFFFFF"/>
+                </a:highlight>
+                <a:latin typeface="Consolas" panose="020B0609020204030204" pitchFamily="49" charset="0"/>
+              </a:rPr>
+              <a:t>        }</a:t>
+            </a:r>
+            <a:endParaRPr lang="nl-BE" dirty="0"/>
+          </a:p>
+        </p:txBody>
+      </p:sp>
+    </p:spTree>
+    <p:extLst>
+      <p:ext uri="{BB962C8B-B14F-4D97-AF65-F5344CB8AC3E}">
+        <p14:creationId xmlns:p14="http://schemas.microsoft.com/office/powerpoint/2010/main" val="2851379731"/>
+      </p:ext>
+    </p:extLst>
+  </p:cSld>
+  <p:clrMapOvr>
+    <a:masterClrMapping/>
+  </p:clrMapOvr>
+</p:sld>
+</file>
+
+<file path=ppt/slides/slide15.xml><?xml version="1.0" encoding="utf-8"?>
+<p:sld xmlns:a="http://schemas.openxmlformats.org/drawingml/2006/main" xmlns:r="http://schemas.openxmlformats.org/officeDocument/2006/relationships" xmlns:p="http://schemas.openxmlformats.org/presentationml/2006/main">
+  <p:cSld>
+    <p:spTree>
+      <p:nvGrpSpPr>
+        <p:cNvPr id="1" name=""/>
+        <p:cNvGrpSpPr/>
+        <p:nvPr/>
+      </p:nvGrpSpPr>
+      <p:grpSpPr>
+        <a:xfrm>
+          <a:off x="0" y="0"/>
+          <a:ext cx="0" cy="0"/>
+          <a:chOff x="0" y="0"/>
+          <a:chExt cx="0" cy="0"/>
+        </a:xfrm>
+      </p:grpSpPr>
+      <p:sp>
+        <p:nvSpPr>
+          <p:cNvPr id="2" name="Titel 1"/>
+          <p:cNvSpPr>
+            <a:spLocks noGrp="1"/>
+          </p:cNvSpPr>
+          <p:nvPr>
+            <p:ph type="title"/>
+          </p:nvPr>
+        </p:nvSpPr>
+        <p:spPr/>
+        <p:txBody>
+          <a:bodyPr/>
+          <a:lstStyle/>
+          <a:p>
+            <a:r>
+              <a:rPr lang="nl-BE" dirty="0" err="1"/>
               <a:t>GenereerKlinker</a:t>
             </a:r>
             <a:endParaRPr lang="nl-BE" dirty="0"/>
@@ -6384,7 +6788,7 @@
 </p:sld>
 </file>
 
-<file path=ppt/slides/slide15.xml><?xml version="1.0" encoding="utf-8"?>
+<file path=ppt/slides/slide16.xml><?xml version="1.0" encoding="utf-8"?>
 <p:sld xmlns:a="http://schemas.openxmlformats.org/drawingml/2006/main" xmlns:r="http://schemas.openxmlformats.org/officeDocument/2006/relationships" xmlns:p="http://schemas.openxmlformats.org/presentationml/2006/main">
   <p:cSld>
     <p:spTree>
@@ -7120,7 +7524,7 @@
 </p:sld>
 </file>
 
-<file path=ppt/slides/slide16.xml><?xml version="1.0" encoding="utf-8"?>
+<file path=ppt/slides/slide17.xml><?xml version="1.0" encoding="utf-8"?>
 <p:sld xmlns:a="http://schemas.openxmlformats.org/drawingml/2006/main" xmlns:r="http://schemas.openxmlformats.org/officeDocument/2006/relationships" xmlns:p="http://schemas.openxmlformats.org/presentationml/2006/main">
   <p:cSld>
     <p:spTree>
@@ -7993,78 +8397,6 @@
 </p:sld>
 </file>
 
-<file path=ppt/slides/slide17.xml><?xml version="1.0" encoding="utf-8"?>
-<p:sld xmlns:a="http://schemas.openxmlformats.org/drawingml/2006/main" xmlns:r="http://schemas.openxmlformats.org/officeDocument/2006/relationships" xmlns:p="http://schemas.openxmlformats.org/presentationml/2006/main">
-  <p:cSld>
-    <p:spTree>
-      <p:nvGrpSpPr>
-        <p:cNvPr id="1" name=""/>
-        <p:cNvGrpSpPr/>
-        <p:nvPr/>
-      </p:nvGrpSpPr>
-      <p:grpSpPr>
-        <a:xfrm>
-          <a:off x="0" y="0"/>
-          <a:ext cx="0" cy="0"/>
-          <a:chOff x="0" y="0"/>
-          <a:chExt cx="0" cy="0"/>
-        </a:xfrm>
-      </p:grpSpPr>
-      <p:sp>
-        <p:nvSpPr>
-          <p:cNvPr id="2" name="Titel 1"/>
-          <p:cNvSpPr>
-            <a:spLocks noGrp="1"/>
-          </p:cNvSpPr>
-          <p:nvPr>
-            <p:ph type="title"/>
-          </p:nvPr>
-        </p:nvSpPr>
-        <p:spPr/>
-        <p:txBody>
-          <a:bodyPr/>
-          <a:lstStyle/>
-          <a:p>
-            <a:r>
-              <a:rPr lang="nl-BE" dirty="0" err="1"/>
-              <a:t>ZinGenerator</a:t>
-            </a:r>
-            <a:endParaRPr lang="nl-BE" dirty="0"/>
-          </a:p>
-        </p:txBody>
-      </p:sp>
-      <p:sp>
-        <p:nvSpPr>
-          <p:cNvPr id="3" name="Tijdelijke aanduiding voor tekst 2"/>
-          <p:cNvSpPr>
-            <a:spLocks noGrp="1"/>
-          </p:cNvSpPr>
-          <p:nvPr>
-            <p:ph type="body" idx="1"/>
-          </p:nvPr>
-        </p:nvSpPr>
-        <p:spPr/>
-        <p:txBody>
-          <a:bodyPr/>
-          <a:lstStyle/>
-          <a:p>
-            <a:endParaRPr lang="nl-BE"/>
-          </a:p>
-        </p:txBody>
-      </p:sp>
-    </p:spTree>
-    <p:extLst>
-      <p:ext uri="{BB962C8B-B14F-4D97-AF65-F5344CB8AC3E}">
-        <p14:creationId xmlns:p14="http://schemas.microsoft.com/office/powerpoint/2010/main" val="3090788085"/>
-      </p:ext>
-    </p:extLst>
-  </p:cSld>
-  <p:clrMapOvr>
-    <a:masterClrMapping/>
-  </p:clrMapOvr>
-</p:sld>
-</file>
-
 <file path=ppt/slides/slide18.xml><?xml version="1.0" encoding="utf-8"?>
 <p:sld xmlns:a="http://schemas.openxmlformats.org/drawingml/2006/main" xmlns:r="http://schemas.openxmlformats.org/officeDocument/2006/relationships" xmlns:p="http://schemas.openxmlformats.org/presentationml/2006/main">
   <p:cSld>
@@ -8107,12 +8439,12 @@
       </p:sp>
       <p:sp>
         <p:nvSpPr>
-          <p:cNvPr id="3" name="Tijdelijke aanduiding voor inhoud 2"/>
+          <p:cNvPr id="3" name="Tijdelijke aanduiding voor tekst 2"/>
           <p:cNvSpPr>
             <a:spLocks noGrp="1"/>
           </p:cNvSpPr>
           <p:nvPr>
-            <p:ph idx="1"/>
+            <p:ph type="body" idx="1"/>
           </p:nvPr>
         </p:nvSpPr>
         <p:spPr/>
@@ -8120,62 +8452,14 @@
           <a:bodyPr/>
           <a:lstStyle/>
           <a:p>
-            <a:r>
-              <a:rPr lang="nl-BE" dirty="0"/>
-              <a:t>Een eenvoudige zin kan bestaan uit:</a:t>
-            </a:r>
-          </a:p>
-          <a:p>
-            <a:pPr lvl="1"/>
-            <a:r>
-              <a:rPr lang="nl-BE" dirty="0"/>
-              <a:t>Onderwerp</a:t>
-            </a:r>
-          </a:p>
-          <a:p>
-            <a:pPr lvl="1"/>
-            <a:r>
-              <a:rPr lang="nl-BE" dirty="0"/>
-              <a:t>Werkwoord</a:t>
-            </a:r>
-          </a:p>
-          <a:p>
-            <a:pPr lvl="1"/>
-            <a:r>
-              <a:rPr lang="nl-BE" dirty="0"/>
-              <a:t>Lijdend voorwerp</a:t>
-            </a:r>
-          </a:p>
-          <a:p>
-            <a:pPr lvl="1"/>
-            <a:endParaRPr lang="nl-BE" dirty="0"/>
-          </a:p>
-          <a:p>
-            <a:r>
-              <a:rPr lang="nl-BE" dirty="0"/>
-              <a:t>Voorbeeld:</a:t>
-            </a:r>
-          </a:p>
-          <a:p>
-            <a:pPr lvl="1"/>
-            <a:r>
-              <a:rPr lang="nl-BE" dirty="0"/>
-              <a:t>Tim gooit de bal</a:t>
-            </a:r>
-          </a:p>
-          <a:p>
-            <a:pPr lvl="1"/>
-            <a:endParaRPr lang="nl-BE" dirty="0"/>
-          </a:p>
-          <a:p>
-            <a:endParaRPr lang="nl-BE" dirty="0"/>
+            <a:endParaRPr lang="nl-BE"/>
           </a:p>
         </p:txBody>
       </p:sp>
     </p:spTree>
     <p:extLst>
       <p:ext uri="{BB962C8B-B14F-4D97-AF65-F5344CB8AC3E}">
-        <p14:creationId xmlns:p14="http://schemas.microsoft.com/office/powerpoint/2010/main" val="398479678"/>
+        <p14:creationId xmlns:p14="http://schemas.microsoft.com/office/powerpoint/2010/main" val="3090788085"/>
       </p:ext>
     </p:extLst>
   </p:cSld>
@@ -8218,9 +8502,10 @@
           <a:lstStyle/>
           <a:p>
             <a:r>
-              <a:rPr lang="nl-BE" dirty="0"/>
-              <a:t>3 Generators nodig</a:t>
-            </a:r>
+              <a:rPr lang="nl-BE" dirty="0" err="1"/>
+              <a:t>ZinGenerator</a:t>
+            </a:r>
+            <a:endParaRPr lang="nl-BE" dirty="0"/>
           </a:p>
         </p:txBody>
       </p:sp>
@@ -8241,469 +8526,60 @@
           <a:p>
             <a:r>
               <a:rPr lang="nl-BE" dirty="0"/>
-              <a:t>Onderwerp =&gt; Kunnen we </a:t>
-            </a:r>
-            <a:r>
-              <a:rPr lang="nl-BE" dirty="0" err="1"/>
-              <a:t>NaamGenerator</a:t>
-            </a:r>
+              <a:t>Een eenvoudige zin kan bestaan uit:</a:t>
+            </a:r>
+          </a:p>
+          <a:p>
+            <a:pPr lvl="1"/>
             <a:r>
               <a:rPr lang="nl-BE" dirty="0"/>
-              <a:t> voor gebruiken</a:t>
-            </a:r>
-          </a:p>
-          <a:p>
+              <a:t>Onderwerp</a:t>
+            </a:r>
+          </a:p>
+          <a:p>
+            <a:pPr lvl="1"/>
             <a:r>
               <a:rPr lang="nl-BE" dirty="0"/>
-              <a:t>Werkwoord :</a:t>
-            </a:r>
-          </a:p>
-          <a:p>
+              <a:t>Werkwoord</a:t>
+            </a:r>
+          </a:p>
+          <a:p>
+            <a:pPr lvl="1"/>
+            <a:r>
+              <a:rPr lang="nl-BE" dirty="0"/>
+              <a:t>Lijdend voorwerp</a:t>
+            </a:r>
+          </a:p>
+          <a:p>
+            <a:pPr lvl="1"/>
             <a:endParaRPr lang="nl-BE" dirty="0"/>
           </a:p>
           <a:p>
+            <a:r>
+              <a:rPr lang="nl-BE" dirty="0"/>
+              <a:t>Voorbeeld:</a:t>
+            </a:r>
+          </a:p>
+          <a:p>
+            <a:pPr lvl="1"/>
+            <a:r>
+              <a:rPr lang="nl-BE" dirty="0"/>
+              <a:t>Tim gooit de bal</a:t>
+            </a:r>
+          </a:p>
+          <a:p>
+            <a:pPr lvl="1"/>
             <a:endParaRPr lang="nl-BE" dirty="0"/>
           </a:p>
           <a:p>
             <a:endParaRPr lang="nl-BE" dirty="0"/>
-          </a:p>
-          <a:p>
-            <a:r>
-              <a:rPr lang="nl-BE" dirty="0"/>
-              <a:t>Lijdend voorwerp:</a:t>
-            </a:r>
-          </a:p>
-          <a:p>
-            <a:endParaRPr lang="nl-BE" dirty="0"/>
-          </a:p>
-        </p:txBody>
-      </p:sp>
-      <p:sp>
-        <p:nvSpPr>
-          <p:cNvPr id="4" name="Rechthoek 3"/>
-          <p:cNvSpPr/>
-          <p:nvPr/>
-        </p:nvSpPr>
-        <p:spPr>
-          <a:xfrm>
-            <a:off x="2104538" y="3051388"/>
-            <a:ext cx="3603872" cy="369332"/>
-          </a:xfrm>
-          <a:prstGeom prst="rect">
-            <a:avLst/>
-          </a:prstGeom>
-        </p:spPr>
-        <p:txBody>
-          <a:bodyPr wrap="none">
-            <a:spAutoFit/>
-          </a:bodyPr>
-          <a:lstStyle/>
-          <a:p>
-            <a:r>
-              <a:rPr lang="nl-BE" dirty="0">
-                <a:solidFill>
-                  <a:srgbClr val="000000"/>
-                </a:solidFill>
-                <a:highlight>
-                  <a:srgbClr val="FFFFFF"/>
-                </a:highlight>
-                <a:latin typeface="Consolas" panose="020B0609020204030204" pitchFamily="49" charset="0"/>
-              </a:rPr>
-              <a:t> </a:t>
-            </a:r>
-            <a:r>
-              <a:rPr lang="nl-BE" dirty="0">
-                <a:solidFill>
-                  <a:srgbClr val="0000FF"/>
-                </a:solidFill>
-                <a:highlight>
-                  <a:srgbClr val="FFFFFF"/>
-                </a:highlight>
-                <a:latin typeface="Consolas" panose="020B0609020204030204" pitchFamily="49" charset="0"/>
-              </a:rPr>
-              <a:t>string</a:t>
-            </a:r>
-            <a:r>
-              <a:rPr lang="nl-BE" dirty="0">
-                <a:solidFill>
-                  <a:srgbClr val="000000"/>
-                </a:solidFill>
-                <a:highlight>
-                  <a:srgbClr val="FFFFFF"/>
-                </a:highlight>
-                <a:latin typeface="Consolas" panose="020B0609020204030204" pitchFamily="49" charset="0"/>
-              </a:rPr>
-              <a:t> </a:t>
-            </a:r>
-            <a:r>
-              <a:rPr lang="nl-BE" dirty="0" err="1">
-                <a:solidFill>
-                  <a:srgbClr val="000000"/>
-                </a:solidFill>
-                <a:highlight>
-                  <a:srgbClr val="FFFFFF"/>
-                </a:highlight>
-                <a:latin typeface="Consolas" panose="020B0609020204030204" pitchFamily="49" charset="0"/>
-              </a:rPr>
-              <a:t>GenereerWerkwoord</a:t>
-            </a:r>
-            <a:r>
-              <a:rPr lang="nl-BE" dirty="0">
-                <a:solidFill>
-                  <a:srgbClr val="000000"/>
-                </a:solidFill>
-                <a:highlight>
-                  <a:srgbClr val="FFFFFF"/>
-                </a:highlight>
-                <a:latin typeface="Consolas" panose="020B0609020204030204" pitchFamily="49" charset="0"/>
-              </a:rPr>
-              <a:t>()</a:t>
-            </a:r>
-            <a:endParaRPr lang="nl-BE" dirty="0"/>
-          </a:p>
-        </p:txBody>
-      </p:sp>
-      <p:sp>
-        <p:nvSpPr>
-          <p:cNvPr id="5" name="Rechthoek 4"/>
-          <p:cNvSpPr/>
-          <p:nvPr/>
-        </p:nvSpPr>
-        <p:spPr>
-          <a:xfrm>
-            <a:off x="8675615" y="2840702"/>
-            <a:ext cx="3355596" cy="805344"/>
-          </a:xfrm>
-          <a:prstGeom prst="rect">
-            <a:avLst/>
-          </a:prstGeom>
-        </p:spPr>
-        <p:style>
-          <a:lnRef idx="2">
-            <a:schemeClr val="accent1">
-              <a:shade val="50000"/>
-            </a:schemeClr>
-          </a:lnRef>
-          <a:fillRef idx="1">
-            <a:schemeClr val="accent1"/>
-          </a:fillRef>
-          <a:effectRef idx="0">
-            <a:schemeClr val="accent1"/>
-          </a:effectRef>
-          <a:fontRef idx="minor">
-            <a:schemeClr val="lt1"/>
-          </a:fontRef>
-        </p:style>
-        <p:txBody>
-          <a:bodyPr rtlCol="0" anchor="ctr"/>
-          <a:lstStyle/>
-          <a:p>
-            <a:pPr algn="ctr"/>
-            <a:r>
-              <a:rPr lang="nl-BE" dirty="0" err="1"/>
-              <a:t>GenereerWerkwoord</a:t>
-            </a:r>
-            <a:endParaRPr lang="nl-BE" dirty="0"/>
-          </a:p>
-        </p:txBody>
-      </p:sp>
-      <p:sp>
-        <p:nvSpPr>
-          <p:cNvPr id="6" name="Pijl-rechts 5"/>
-          <p:cNvSpPr/>
-          <p:nvPr/>
-        </p:nvSpPr>
-        <p:spPr>
-          <a:xfrm>
-            <a:off x="6528033" y="2705765"/>
-            <a:ext cx="2147582" cy="520117"/>
-          </a:xfrm>
-          <a:prstGeom prst="rightArrow">
-            <a:avLst/>
-          </a:prstGeom>
-        </p:spPr>
-        <p:style>
-          <a:lnRef idx="2">
-            <a:schemeClr val="accent1">
-              <a:shade val="50000"/>
-            </a:schemeClr>
-          </a:lnRef>
-          <a:fillRef idx="1">
-            <a:schemeClr val="accent1"/>
-          </a:fillRef>
-          <a:effectRef idx="0">
-            <a:schemeClr val="accent1"/>
-          </a:effectRef>
-          <a:fontRef idx="minor">
-            <a:schemeClr val="lt1"/>
-          </a:fontRef>
-        </p:style>
-        <p:txBody>
-          <a:bodyPr rtlCol="0" anchor="ctr"/>
-          <a:lstStyle/>
-          <a:p>
-            <a:pPr algn="ctr"/>
-            <a:endParaRPr lang="nl-BE" dirty="0"/>
-          </a:p>
-        </p:txBody>
-      </p:sp>
-      <p:sp>
-        <p:nvSpPr>
-          <p:cNvPr id="7" name="Pijl-rechts 6"/>
-          <p:cNvSpPr/>
-          <p:nvPr/>
-        </p:nvSpPr>
-        <p:spPr>
-          <a:xfrm flipH="1">
-            <a:off x="6535024" y="3260866"/>
-            <a:ext cx="2140591" cy="520117"/>
-          </a:xfrm>
-          <a:prstGeom prst="rightArrow">
-            <a:avLst/>
-          </a:prstGeom>
-        </p:spPr>
-        <p:style>
-          <a:lnRef idx="2">
-            <a:schemeClr val="accent1">
-              <a:shade val="50000"/>
-            </a:schemeClr>
-          </a:lnRef>
-          <a:fillRef idx="1">
-            <a:schemeClr val="accent1"/>
-          </a:fillRef>
-          <a:effectRef idx="0">
-            <a:schemeClr val="accent1"/>
-          </a:effectRef>
-          <a:fontRef idx="minor">
-            <a:schemeClr val="lt1"/>
-          </a:fontRef>
-        </p:style>
-        <p:txBody>
-          <a:bodyPr rtlCol="0" anchor="ctr"/>
-          <a:lstStyle/>
-          <a:p>
-            <a:pPr algn="ctr"/>
-            <a:r>
-              <a:rPr lang="nl-BE" dirty="0"/>
-              <a:t>gooit, trapt, </a:t>
-            </a:r>
-            <a:r>
-              <a:rPr lang="nl-BE" dirty="0" err="1"/>
-              <a:t>etc</a:t>
-            </a:r>
-            <a:endParaRPr lang="nl-BE" dirty="0"/>
-          </a:p>
-        </p:txBody>
-      </p:sp>
-      <p:sp>
-        <p:nvSpPr>
-          <p:cNvPr id="8" name="Rechthoek 7"/>
-          <p:cNvSpPr/>
-          <p:nvPr/>
-        </p:nvSpPr>
-        <p:spPr>
-          <a:xfrm>
-            <a:off x="2231175" y="5157024"/>
-            <a:ext cx="3350597" cy="369332"/>
-          </a:xfrm>
-          <a:prstGeom prst="rect">
-            <a:avLst/>
-          </a:prstGeom>
-        </p:spPr>
-        <p:txBody>
-          <a:bodyPr wrap="none">
-            <a:spAutoFit/>
-          </a:bodyPr>
-          <a:lstStyle/>
-          <a:p>
-            <a:r>
-              <a:rPr lang="nl-BE" dirty="0">
-                <a:solidFill>
-                  <a:srgbClr val="0000FF"/>
-                </a:solidFill>
-                <a:highlight>
-                  <a:srgbClr val="FFFFFF"/>
-                </a:highlight>
-                <a:latin typeface="Consolas" panose="020B0609020204030204" pitchFamily="49" charset="0"/>
-              </a:rPr>
-              <a:t>string</a:t>
-            </a:r>
-            <a:r>
-              <a:rPr lang="nl-BE" dirty="0">
-                <a:solidFill>
-                  <a:srgbClr val="000000"/>
-                </a:solidFill>
-                <a:highlight>
-                  <a:srgbClr val="FFFFFF"/>
-                </a:highlight>
-                <a:latin typeface="Consolas" panose="020B0609020204030204" pitchFamily="49" charset="0"/>
-              </a:rPr>
-              <a:t> </a:t>
-            </a:r>
-            <a:r>
-              <a:rPr lang="nl-BE" dirty="0" err="1">
-                <a:solidFill>
-                  <a:srgbClr val="000000"/>
-                </a:solidFill>
-                <a:highlight>
-                  <a:srgbClr val="FFFFFF"/>
-                </a:highlight>
-                <a:latin typeface="Consolas" panose="020B0609020204030204" pitchFamily="49" charset="0"/>
-              </a:rPr>
-              <a:t>GenereerVoorwerp</a:t>
-            </a:r>
-            <a:r>
-              <a:rPr lang="nl-BE" dirty="0">
-                <a:solidFill>
-                  <a:srgbClr val="000000"/>
-                </a:solidFill>
-                <a:highlight>
-                  <a:srgbClr val="FFFFFF"/>
-                </a:highlight>
-                <a:latin typeface="Consolas" panose="020B0609020204030204" pitchFamily="49" charset="0"/>
-              </a:rPr>
-              <a:t>()</a:t>
-            </a:r>
-            <a:endParaRPr lang="nl-BE" dirty="0"/>
-          </a:p>
-        </p:txBody>
-      </p:sp>
-      <p:sp>
-        <p:nvSpPr>
-          <p:cNvPr id="9" name="Rechthoek 8"/>
-          <p:cNvSpPr/>
-          <p:nvPr/>
-        </p:nvSpPr>
-        <p:spPr>
-          <a:xfrm>
-            <a:off x="8567957" y="4976623"/>
-            <a:ext cx="3355596" cy="805344"/>
-          </a:xfrm>
-          <a:prstGeom prst="rect">
-            <a:avLst/>
-          </a:prstGeom>
-        </p:spPr>
-        <p:style>
-          <a:lnRef idx="2">
-            <a:schemeClr val="accent1">
-              <a:shade val="50000"/>
-            </a:schemeClr>
-          </a:lnRef>
-          <a:fillRef idx="1">
-            <a:schemeClr val="accent1"/>
-          </a:fillRef>
-          <a:effectRef idx="0">
-            <a:schemeClr val="accent1"/>
-          </a:effectRef>
-          <a:fontRef idx="minor">
-            <a:schemeClr val="lt1"/>
-          </a:fontRef>
-        </p:style>
-        <p:txBody>
-          <a:bodyPr rtlCol="0" anchor="ctr"/>
-          <a:lstStyle/>
-          <a:p>
-            <a:pPr algn="ctr"/>
-            <a:r>
-              <a:rPr lang="nl-BE" dirty="0" err="1"/>
-              <a:t>GenereerVoorwerp</a:t>
-            </a:r>
-            <a:endParaRPr lang="nl-BE" dirty="0"/>
-          </a:p>
-        </p:txBody>
-      </p:sp>
-      <p:sp>
-        <p:nvSpPr>
-          <p:cNvPr id="10" name="Pijl-rechts 9"/>
-          <p:cNvSpPr/>
-          <p:nvPr/>
-        </p:nvSpPr>
-        <p:spPr>
-          <a:xfrm>
-            <a:off x="6420375" y="4841686"/>
-            <a:ext cx="2147582" cy="520117"/>
-          </a:xfrm>
-          <a:prstGeom prst="rightArrow">
-            <a:avLst/>
-          </a:prstGeom>
-        </p:spPr>
-        <p:style>
-          <a:lnRef idx="2">
-            <a:schemeClr val="accent1">
-              <a:shade val="50000"/>
-            </a:schemeClr>
-          </a:lnRef>
-          <a:fillRef idx="1">
-            <a:schemeClr val="accent1"/>
-          </a:fillRef>
-          <a:effectRef idx="0">
-            <a:schemeClr val="accent1"/>
-          </a:effectRef>
-          <a:fontRef idx="minor">
-            <a:schemeClr val="lt1"/>
-          </a:fontRef>
-        </p:style>
-        <p:txBody>
-          <a:bodyPr rtlCol="0" anchor="ctr"/>
-          <a:lstStyle/>
-          <a:p>
-            <a:pPr algn="ctr"/>
-            <a:endParaRPr lang="nl-BE" dirty="0"/>
-          </a:p>
-        </p:txBody>
-      </p:sp>
-      <p:sp>
-        <p:nvSpPr>
-          <p:cNvPr id="11" name="Pijl-rechts 10"/>
-          <p:cNvSpPr/>
-          <p:nvPr/>
-        </p:nvSpPr>
-        <p:spPr>
-          <a:xfrm flipH="1">
-            <a:off x="6427366" y="5396787"/>
-            <a:ext cx="2140591" cy="520117"/>
-          </a:xfrm>
-          <a:prstGeom prst="rightArrow">
-            <a:avLst/>
-          </a:prstGeom>
-        </p:spPr>
-        <p:style>
-          <a:lnRef idx="2">
-            <a:schemeClr val="accent1">
-              <a:shade val="50000"/>
-            </a:schemeClr>
-          </a:lnRef>
-          <a:fillRef idx="1">
-            <a:schemeClr val="accent1"/>
-          </a:fillRef>
-          <a:effectRef idx="0">
-            <a:schemeClr val="accent1"/>
-          </a:effectRef>
-          <a:fontRef idx="minor">
-            <a:schemeClr val="lt1"/>
-          </a:fontRef>
-        </p:style>
-        <p:txBody>
-          <a:bodyPr rtlCol="0" anchor="ctr"/>
-          <a:lstStyle/>
-          <a:p>
-            <a:pPr algn="ctr"/>
-            <a:r>
-              <a:rPr lang="nl-BE" sz="1600" dirty="0"/>
-              <a:t>De bal, de lepel, </a:t>
-            </a:r>
-            <a:r>
-              <a:rPr lang="nl-BE" sz="1600" dirty="0" err="1"/>
-              <a:t>etc</a:t>
-            </a:r>
-            <a:endParaRPr lang="nl-BE" sz="1600" dirty="0"/>
           </a:p>
         </p:txBody>
       </p:sp>
     </p:spTree>
     <p:extLst>
       <p:ext uri="{BB962C8B-B14F-4D97-AF65-F5344CB8AC3E}">
-        <p14:creationId xmlns:p14="http://schemas.microsoft.com/office/powerpoint/2010/main" val="551777648"/>
+        <p14:creationId xmlns:p14="http://schemas.microsoft.com/office/powerpoint/2010/main" val="398479678"/>
       </p:ext>
     </p:extLst>
   </p:cSld>
@@ -8885,6 +8761,534 @@
           <a:p>
             <a:r>
               <a:rPr lang="nl-BE" dirty="0"/>
+              <a:t>3 Generators nodig</a:t>
+            </a:r>
+          </a:p>
+        </p:txBody>
+      </p:sp>
+      <p:sp>
+        <p:nvSpPr>
+          <p:cNvPr id="3" name="Tijdelijke aanduiding voor inhoud 2"/>
+          <p:cNvSpPr>
+            <a:spLocks noGrp="1"/>
+          </p:cNvSpPr>
+          <p:nvPr>
+            <p:ph idx="1"/>
+          </p:nvPr>
+        </p:nvSpPr>
+        <p:spPr/>
+        <p:txBody>
+          <a:bodyPr/>
+          <a:lstStyle/>
+          <a:p>
+            <a:r>
+              <a:rPr lang="nl-BE" dirty="0"/>
+              <a:t>Onderwerp =&gt; Kunnen we </a:t>
+            </a:r>
+            <a:r>
+              <a:rPr lang="nl-BE" dirty="0" err="1"/>
+              <a:t>NaamGenerator</a:t>
+            </a:r>
+            <a:r>
+              <a:rPr lang="nl-BE" dirty="0"/>
+              <a:t> voor gebruiken</a:t>
+            </a:r>
+          </a:p>
+          <a:p>
+            <a:r>
+              <a:rPr lang="nl-BE" dirty="0"/>
+              <a:t>Werkwoord :</a:t>
+            </a:r>
+          </a:p>
+          <a:p>
+            <a:endParaRPr lang="nl-BE" dirty="0"/>
+          </a:p>
+          <a:p>
+            <a:endParaRPr lang="nl-BE" dirty="0"/>
+          </a:p>
+          <a:p>
+            <a:endParaRPr lang="nl-BE" dirty="0"/>
+          </a:p>
+          <a:p>
+            <a:r>
+              <a:rPr lang="nl-BE" dirty="0"/>
+              <a:t>Lijdend voorwerp:</a:t>
+            </a:r>
+          </a:p>
+          <a:p>
+            <a:endParaRPr lang="nl-BE" dirty="0"/>
+          </a:p>
+        </p:txBody>
+      </p:sp>
+      <p:sp>
+        <p:nvSpPr>
+          <p:cNvPr id="4" name="Rechthoek 3"/>
+          <p:cNvSpPr/>
+          <p:nvPr/>
+        </p:nvSpPr>
+        <p:spPr>
+          <a:xfrm>
+            <a:off x="2104538" y="3051388"/>
+            <a:ext cx="3603872" cy="369332"/>
+          </a:xfrm>
+          <a:prstGeom prst="rect">
+            <a:avLst/>
+          </a:prstGeom>
+        </p:spPr>
+        <p:txBody>
+          <a:bodyPr wrap="none">
+            <a:spAutoFit/>
+          </a:bodyPr>
+          <a:lstStyle/>
+          <a:p>
+            <a:r>
+              <a:rPr lang="nl-BE" dirty="0">
+                <a:solidFill>
+                  <a:srgbClr val="000000"/>
+                </a:solidFill>
+                <a:highlight>
+                  <a:srgbClr val="FFFFFF"/>
+                </a:highlight>
+                <a:latin typeface="Consolas" panose="020B0609020204030204" pitchFamily="49" charset="0"/>
+              </a:rPr>
+              <a:t> </a:t>
+            </a:r>
+            <a:r>
+              <a:rPr lang="nl-BE" dirty="0">
+                <a:solidFill>
+                  <a:srgbClr val="0000FF"/>
+                </a:solidFill>
+                <a:highlight>
+                  <a:srgbClr val="FFFFFF"/>
+                </a:highlight>
+                <a:latin typeface="Consolas" panose="020B0609020204030204" pitchFamily="49" charset="0"/>
+              </a:rPr>
+              <a:t>string</a:t>
+            </a:r>
+            <a:r>
+              <a:rPr lang="nl-BE" dirty="0">
+                <a:solidFill>
+                  <a:srgbClr val="000000"/>
+                </a:solidFill>
+                <a:highlight>
+                  <a:srgbClr val="FFFFFF"/>
+                </a:highlight>
+                <a:latin typeface="Consolas" panose="020B0609020204030204" pitchFamily="49" charset="0"/>
+              </a:rPr>
+              <a:t> </a:t>
+            </a:r>
+            <a:r>
+              <a:rPr lang="nl-BE" dirty="0" err="1">
+                <a:solidFill>
+                  <a:srgbClr val="000000"/>
+                </a:solidFill>
+                <a:highlight>
+                  <a:srgbClr val="FFFFFF"/>
+                </a:highlight>
+                <a:latin typeface="Consolas" panose="020B0609020204030204" pitchFamily="49" charset="0"/>
+              </a:rPr>
+              <a:t>GenereerWerkwoord</a:t>
+            </a:r>
+            <a:r>
+              <a:rPr lang="nl-BE" dirty="0">
+                <a:solidFill>
+                  <a:srgbClr val="000000"/>
+                </a:solidFill>
+                <a:highlight>
+                  <a:srgbClr val="FFFFFF"/>
+                </a:highlight>
+                <a:latin typeface="Consolas" panose="020B0609020204030204" pitchFamily="49" charset="0"/>
+              </a:rPr>
+              <a:t>()</a:t>
+            </a:r>
+            <a:endParaRPr lang="nl-BE" dirty="0"/>
+          </a:p>
+        </p:txBody>
+      </p:sp>
+      <p:sp>
+        <p:nvSpPr>
+          <p:cNvPr id="5" name="Rechthoek 4"/>
+          <p:cNvSpPr/>
+          <p:nvPr/>
+        </p:nvSpPr>
+        <p:spPr>
+          <a:xfrm>
+            <a:off x="8675615" y="2840702"/>
+            <a:ext cx="3355596" cy="805344"/>
+          </a:xfrm>
+          <a:prstGeom prst="rect">
+            <a:avLst/>
+          </a:prstGeom>
+        </p:spPr>
+        <p:style>
+          <a:lnRef idx="2">
+            <a:schemeClr val="accent1">
+              <a:shade val="50000"/>
+            </a:schemeClr>
+          </a:lnRef>
+          <a:fillRef idx="1">
+            <a:schemeClr val="accent1"/>
+          </a:fillRef>
+          <a:effectRef idx="0">
+            <a:schemeClr val="accent1"/>
+          </a:effectRef>
+          <a:fontRef idx="minor">
+            <a:schemeClr val="lt1"/>
+          </a:fontRef>
+        </p:style>
+        <p:txBody>
+          <a:bodyPr rtlCol="0" anchor="ctr"/>
+          <a:lstStyle/>
+          <a:p>
+            <a:pPr algn="ctr"/>
+            <a:r>
+              <a:rPr lang="nl-BE" dirty="0" err="1"/>
+              <a:t>GenereerWerkwoord</a:t>
+            </a:r>
+            <a:endParaRPr lang="nl-BE" dirty="0"/>
+          </a:p>
+        </p:txBody>
+      </p:sp>
+      <p:sp>
+        <p:nvSpPr>
+          <p:cNvPr id="6" name="Pijl-rechts 5"/>
+          <p:cNvSpPr/>
+          <p:nvPr/>
+        </p:nvSpPr>
+        <p:spPr>
+          <a:xfrm>
+            <a:off x="6528033" y="2705765"/>
+            <a:ext cx="2147582" cy="520117"/>
+          </a:xfrm>
+          <a:prstGeom prst="rightArrow">
+            <a:avLst/>
+          </a:prstGeom>
+        </p:spPr>
+        <p:style>
+          <a:lnRef idx="2">
+            <a:schemeClr val="accent1">
+              <a:shade val="50000"/>
+            </a:schemeClr>
+          </a:lnRef>
+          <a:fillRef idx="1">
+            <a:schemeClr val="accent1"/>
+          </a:fillRef>
+          <a:effectRef idx="0">
+            <a:schemeClr val="accent1"/>
+          </a:effectRef>
+          <a:fontRef idx="minor">
+            <a:schemeClr val="lt1"/>
+          </a:fontRef>
+        </p:style>
+        <p:txBody>
+          <a:bodyPr rtlCol="0" anchor="ctr"/>
+          <a:lstStyle/>
+          <a:p>
+            <a:pPr algn="ctr"/>
+            <a:endParaRPr lang="nl-BE" dirty="0"/>
+          </a:p>
+        </p:txBody>
+      </p:sp>
+      <p:sp>
+        <p:nvSpPr>
+          <p:cNvPr id="7" name="Pijl-rechts 6"/>
+          <p:cNvSpPr/>
+          <p:nvPr/>
+        </p:nvSpPr>
+        <p:spPr>
+          <a:xfrm flipH="1">
+            <a:off x="6535024" y="3260866"/>
+            <a:ext cx="2140591" cy="520117"/>
+          </a:xfrm>
+          <a:prstGeom prst="rightArrow">
+            <a:avLst/>
+          </a:prstGeom>
+        </p:spPr>
+        <p:style>
+          <a:lnRef idx="2">
+            <a:schemeClr val="accent1">
+              <a:shade val="50000"/>
+            </a:schemeClr>
+          </a:lnRef>
+          <a:fillRef idx="1">
+            <a:schemeClr val="accent1"/>
+          </a:fillRef>
+          <a:effectRef idx="0">
+            <a:schemeClr val="accent1"/>
+          </a:effectRef>
+          <a:fontRef idx="minor">
+            <a:schemeClr val="lt1"/>
+          </a:fontRef>
+        </p:style>
+        <p:txBody>
+          <a:bodyPr rtlCol="0" anchor="ctr"/>
+          <a:lstStyle/>
+          <a:p>
+            <a:pPr algn="ctr"/>
+            <a:r>
+              <a:rPr lang="nl-BE" dirty="0"/>
+              <a:t>gooit, trapt, </a:t>
+            </a:r>
+            <a:r>
+              <a:rPr lang="nl-BE" dirty="0" err="1"/>
+              <a:t>etc</a:t>
+            </a:r>
+            <a:endParaRPr lang="nl-BE" dirty="0"/>
+          </a:p>
+        </p:txBody>
+      </p:sp>
+      <p:sp>
+        <p:nvSpPr>
+          <p:cNvPr id="8" name="Rechthoek 7"/>
+          <p:cNvSpPr/>
+          <p:nvPr/>
+        </p:nvSpPr>
+        <p:spPr>
+          <a:xfrm>
+            <a:off x="2231175" y="5157024"/>
+            <a:ext cx="3350597" cy="369332"/>
+          </a:xfrm>
+          <a:prstGeom prst="rect">
+            <a:avLst/>
+          </a:prstGeom>
+        </p:spPr>
+        <p:txBody>
+          <a:bodyPr wrap="none">
+            <a:spAutoFit/>
+          </a:bodyPr>
+          <a:lstStyle/>
+          <a:p>
+            <a:r>
+              <a:rPr lang="nl-BE" dirty="0">
+                <a:solidFill>
+                  <a:srgbClr val="0000FF"/>
+                </a:solidFill>
+                <a:highlight>
+                  <a:srgbClr val="FFFFFF"/>
+                </a:highlight>
+                <a:latin typeface="Consolas" panose="020B0609020204030204" pitchFamily="49" charset="0"/>
+              </a:rPr>
+              <a:t>string</a:t>
+            </a:r>
+            <a:r>
+              <a:rPr lang="nl-BE" dirty="0">
+                <a:solidFill>
+                  <a:srgbClr val="000000"/>
+                </a:solidFill>
+                <a:highlight>
+                  <a:srgbClr val="FFFFFF"/>
+                </a:highlight>
+                <a:latin typeface="Consolas" panose="020B0609020204030204" pitchFamily="49" charset="0"/>
+              </a:rPr>
+              <a:t> </a:t>
+            </a:r>
+            <a:r>
+              <a:rPr lang="nl-BE" dirty="0" err="1">
+                <a:solidFill>
+                  <a:srgbClr val="000000"/>
+                </a:solidFill>
+                <a:highlight>
+                  <a:srgbClr val="FFFFFF"/>
+                </a:highlight>
+                <a:latin typeface="Consolas" panose="020B0609020204030204" pitchFamily="49" charset="0"/>
+              </a:rPr>
+              <a:t>GenereerVoorwerp</a:t>
+            </a:r>
+            <a:r>
+              <a:rPr lang="nl-BE" dirty="0">
+                <a:solidFill>
+                  <a:srgbClr val="000000"/>
+                </a:solidFill>
+                <a:highlight>
+                  <a:srgbClr val="FFFFFF"/>
+                </a:highlight>
+                <a:latin typeface="Consolas" panose="020B0609020204030204" pitchFamily="49" charset="0"/>
+              </a:rPr>
+              <a:t>()</a:t>
+            </a:r>
+            <a:endParaRPr lang="nl-BE" dirty="0"/>
+          </a:p>
+        </p:txBody>
+      </p:sp>
+      <p:sp>
+        <p:nvSpPr>
+          <p:cNvPr id="9" name="Rechthoek 8"/>
+          <p:cNvSpPr/>
+          <p:nvPr/>
+        </p:nvSpPr>
+        <p:spPr>
+          <a:xfrm>
+            <a:off x="8567957" y="4976623"/>
+            <a:ext cx="3355596" cy="805344"/>
+          </a:xfrm>
+          <a:prstGeom prst="rect">
+            <a:avLst/>
+          </a:prstGeom>
+        </p:spPr>
+        <p:style>
+          <a:lnRef idx="2">
+            <a:schemeClr val="accent1">
+              <a:shade val="50000"/>
+            </a:schemeClr>
+          </a:lnRef>
+          <a:fillRef idx="1">
+            <a:schemeClr val="accent1"/>
+          </a:fillRef>
+          <a:effectRef idx="0">
+            <a:schemeClr val="accent1"/>
+          </a:effectRef>
+          <a:fontRef idx="minor">
+            <a:schemeClr val="lt1"/>
+          </a:fontRef>
+        </p:style>
+        <p:txBody>
+          <a:bodyPr rtlCol="0" anchor="ctr"/>
+          <a:lstStyle/>
+          <a:p>
+            <a:pPr algn="ctr"/>
+            <a:r>
+              <a:rPr lang="nl-BE" dirty="0" err="1"/>
+              <a:t>GenereerVoorwerp</a:t>
+            </a:r>
+            <a:endParaRPr lang="nl-BE" dirty="0"/>
+          </a:p>
+        </p:txBody>
+      </p:sp>
+      <p:sp>
+        <p:nvSpPr>
+          <p:cNvPr id="10" name="Pijl-rechts 9"/>
+          <p:cNvSpPr/>
+          <p:nvPr/>
+        </p:nvSpPr>
+        <p:spPr>
+          <a:xfrm>
+            <a:off x="6420375" y="4841686"/>
+            <a:ext cx="2147582" cy="520117"/>
+          </a:xfrm>
+          <a:prstGeom prst="rightArrow">
+            <a:avLst/>
+          </a:prstGeom>
+        </p:spPr>
+        <p:style>
+          <a:lnRef idx="2">
+            <a:schemeClr val="accent1">
+              <a:shade val="50000"/>
+            </a:schemeClr>
+          </a:lnRef>
+          <a:fillRef idx="1">
+            <a:schemeClr val="accent1"/>
+          </a:fillRef>
+          <a:effectRef idx="0">
+            <a:schemeClr val="accent1"/>
+          </a:effectRef>
+          <a:fontRef idx="minor">
+            <a:schemeClr val="lt1"/>
+          </a:fontRef>
+        </p:style>
+        <p:txBody>
+          <a:bodyPr rtlCol="0" anchor="ctr"/>
+          <a:lstStyle/>
+          <a:p>
+            <a:pPr algn="ctr"/>
+            <a:endParaRPr lang="nl-BE" dirty="0"/>
+          </a:p>
+        </p:txBody>
+      </p:sp>
+      <p:sp>
+        <p:nvSpPr>
+          <p:cNvPr id="11" name="Pijl-rechts 10"/>
+          <p:cNvSpPr/>
+          <p:nvPr/>
+        </p:nvSpPr>
+        <p:spPr>
+          <a:xfrm flipH="1">
+            <a:off x="6427366" y="5396787"/>
+            <a:ext cx="2140591" cy="520117"/>
+          </a:xfrm>
+          <a:prstGeom prst="rightArrow">
+            <a:avLst/>
+          </a:prstGeom>
+        </p:spPr>
+        <p:style>
+          <a:lnRef idx="2">
+            <a:schemeClr val="accent1">
+              <a:shade val="50000"/>
+            </a:schemeClr>
+          </a:lnRef>
+          <a:fillRef idx="1">
+            <a:schemeClr val="accent1"/>
+          </a:fillRef>
+          <a:effectRef idx="0">
+            <a:schemeClr val="accent1"/>
+          </a:effectRef>
+          <a:fontRef idx="minor">
+            <a:schemeClr val="lt1"/>
+          </a:fontRef>
+        </p:style>
+        <p:txBody>
+          <a:bodyPr rtlCol="0" anchor="ctr"/>
+          <a:lstStyle/>
+          <a:p>
+            <a:pPr algn="ctr"/>
+            <a:r>
+              <a:rPr lang="nl-BE" sz="1600" dirty="0"/>
+              <a:t>De bal, de lepel, </a:t>
+            </a:r>
+            <a:r>
+              <a:rPr lang="nl-BE" sz="1600" dirty="0" err="1"/>
+              <a:t>etc</a:t>
+            </a:r>
+            <a:endParaRPr lang="nl-BE" sz="1600" dirty="0"/>
+          </a:p>
+        </p:txBody>
+      </p:sp>
+    </p:spTree>
+    <p:extLst>
+      <p:ext uri="{BB962C8B-B14F-4D97-AF65-F5344CB8AC3E}">
+        <p14:creationId xmlns:p14="http://schemas.microsoft.com/office/powerpoint/2010/main" val="551777648"/>
+      </p:ext>
+    </p:extLst>
+  </p:cSld>
+  <p:clrMapOvr>
+    <a:masterClrMapping/>
+  </p:clrMapOvr>
+</p:sld>
+</file>
+
+<file path=ppt/slides/slide21.xml><?xml version="1.0" encoding="utf-8"?>
+<p:sld xmlns:a="http://schemas.openxmlformats.org/drawingml/2006/main" xmlns:r="http://schemas.openxmlformats.org/officeDocument/2006/relationships" xmlns:p="http://schemas.openxmlformats.org/presentationml/2006/main">
+  <p:cSld>
+    <p:spTree>
+      <p:nvGrpSpPr>
+        <p:cNvPr id="1" name=""/>
+        <p:cNvGrpSpPr/>
+        <p:nvPr/>
+      </p:nvGrpSpPr>
+      <p:grpSpPr>
+        <a:xfrm>
+          <a:off x="0" y="0"/>
+          <a:ext cx="0" cy="0"/>
+          <a:chOff x="0" y="0"/>
+          <a:chExt cx="0" cy="0"/>
+        </a:xfrm>
+      </p:grpSpPr>
+      <p:sp>
+        <p:nvSpPr>
+          <p:cNvPr id="2" name="Titel 1"/>
+          <p:cNvSpPr>
+            <a:spLocks noGrp="1"/>
+          </p:cNvSpPr>
+          <p:nvPr>
+            <p:ph type="title"/>
+          </p:nvPr>
+        </p:nvSpPr>
+        <p:spPr/>
+        <p:txBody>
+          <a:bodyPr/>
+          <a:lstStyle/>
+          <a:p>
+            <a:r>
+              <a:rPr lang="nl-BE" dirty="0"/>
               <a:t>Werkwoord- en Voorwerpgenerator</a:t>
             </a:r>
           </a:p>
@@ -11502,7 +11906,7 @@
 </p:sld>
 </file>
 
-<file path=ppt/slides/slide21.xml><?xml version="1.0" encoding="utf-8"?>
+<file path=ppt/slides/slide22.xml><?xml version="1.0" encoding="utf-8"?>
 <p:sld xmlns:a="http://schemas.openxmlformats.org/drawingml/2006/main" xmlns:r="http://schemas.openxmlformats.org/officeDocument/2006/relationships" xmlns:p="http://schemas.openxmlformats.org/presentationml/2006/main">
   <p:cSld>
     <p:spTree>
@@ -12031,7 +12435,7 @@
 </p:sld>
 </file>
 
-<file path=ppt/slides/slide22.xml><?xml version="1.0" encoding="utf-8"?>
+<file path=ppt/slides/slide23.xml><?xml version="1.0" encoding="utf-8"?>
 <p:sld xmlns:a="http://schemas.openxmlformats.org/drawingml/2006/main" xmlns:r="http://schemas.openxmlformats.org/officeDocument/2006/relationships" xmlns:p="http://schemas.openxmlformats.org/presentationml/2006/main">
   <p:cSld>
     <p:spTree>
@@ -12102,7 +12506,7 @@
 </p:sld>
 </file>
 
-<file path=ppt/slides/slide23.xml><?xml version="1.0" encoding="utf-8"?>
+<file path=ppt/slides/slide24.xml><?xml version="1.0" encoding="utf-8"?>
 <p:sld xmlns:a="http://schemas.openxmlformats.org/drawingml/2006/main" xmlns:r="http://schemas.openxmlformats.org/officeDocument/2006/relationships" xmlns:p="http://schemas.openxmlformats.org/presentationml/2006/main">
   <p:cSld>
     <p:spTree>
@@ -12646,7 +13050,7 @@
 </p:sld>
 </file>
 
-<file path=ppt/slides/slide24.xml><?xml version="1.0" encoding="utf-8"?>
+<file path=ppt/slides/slide25.xml><?xml version="1.0" encoding="utf-8"?>
 <p:sld xmlns:a="http://schemas.openxmlformats.org/drawingml/2006/main" xmlns:r="http://schemas.openxmlformats.org/officeDocument/2006/relationships" xmlns:p="http://schemas.openxmlformats.org/presentationml/2006/main">
   <p:cSld>
     <p:spTree>
@@ -13544,7 +13948,7 @@
 </p:sld>
 </file>
 
-<file path=ppt/slides/slide25.xml><?xml version="1.0" encoding="utf-8"?>
+<file path=ppt/slides/slide26.xml><?xml version="1.0" encoding="utf-8"?>
 <p:sld xmlns:a="http://schemas.openxmlformats.org/drawingml/2006/main" xmlns:r="http://schemas.openxmlformats.org/officeDocument/2006/relationships" xmlns:p="http://schemas.openxmlformats.org/presentationml/2006/main">
   <p:cSld>
     <p:spTree>
@@ -13996,6 +14400,131 @@
       </p:grpSpPr>
       <p:sp>
         <p:nvSpPr>
+          <p:cNvPr id="4" name="Titel 3">
+            <a:extLst>
+              <a:ext uri="{FF2B5EF4-FFF2-40B4-BE49-F238E27FC236}">
+                <a16:creationId xmlns:a16="http://schemas.microsoft.com/office/drawing/2014/main" id="{34F144BB-DE72-4937-93A1-336C4E675ECB}"/>
+              </a:ext>
+            </a:extLst>
+          </p:cNvPr>
+          <p:cNvSpPr>
+            <a:spLocks noGrp="1"/>
+          </p:cNvSpPr>
+          <p:nvPr>
+            <p:ph type="title"/>
+          </p:nvPr>
+        </p:nvSpPr>
+        <p:spPr/>
+        <p:txBody>
+          <a:bodyPr/>
+          <a:lstStyle/>
+          <a:p>
+            <a:r>
+              <a:rPr lang="nl-BE" dirty="0"/>
+              <a:t>Random</a:t>
+            </a:r>
+          </a:p>
+        </p:txBody>
+      </p:sp>
+      <p:sp>
+        <p:nvSpPr>
+          <p:cNvPr id="5" name="Tijdelijke aanduiding voor inhoud 4">
+            <a:extLst>
+              <a:ext uri="{FF2B5EF4-FFF2-40B4-BE49-F238E27FC236}">
+                <a16:creationId xmlns:a16="http://schemas.microsoft.com/office/drawing/2014/main" id="{C4D2F769-F843-4CBE-A454-DD57E13C1A0E}"/>
+              </a:ext>
+            </a:extLst>
+          </p:cNvPr>
+          <p:cNvSpPr>
+            <a:spLocks noGrp="1"/>
+          </p:cNvSpPr>
+          <p:nvPr>
+            <p:ph idx="1"/>
+          </p:nvPr>
+        </p:nvSpPr>
+        <p:spPr/>
+        <p:txBody>
+          <a:bodyPr/>
+          <a:lstStyle/>
+          <a:p>
+            <a:r>
+              <a:rPr lang="nl-BE" dirty="0"/>
+              <a:t>Een kleine </a:t>
+            </a:r>
+            <a:r>
+              <a:rPr lang="nl-BE" dirty="0" err="1"/>
+              <a:t>truk</a:t>
+            </a:r>
+            <a:r>
+              <a:rPr lang="nl-BE" dirty="0"/>
+              <a:t> om overal de Random </a:t>
+            </a:r>
+            <a:r>
+              <a:rPr lang="nl-BE" dirty="0" err="1"/>
+              <a:t>number</a:t>
+            </a:r>
+            <a:r>
+              <a:rPr lang="nl-BE" dirty="0"/>
+              <a:t> generator te gebruiken:</a:t>
+            </a:r>
+          </a:p>
+          <a:p>
+            <a:r>
+              <a:rPr lang="nl-BE" dirty="0"/>
+              <a:t>Plaats </a:t>
+            </a:r>
+          </a:p>
+          <a:p>
+            <a:endParaRPr lang="nl-BE" dirty="0"/>
+          </a:p>
+          <a:p>
+            <a:r>
+              <a:rPr lang="nl-BE" dirty="0" err="1"/>
+              <a:t>Static</a:t>
+            </a:r>
+            <a:r>
+              <a:rPr lang="nl-BE" dirty="0"/>
+              <a:t> Random r=new Random(); buiten de methoden (zodat alle methoden hier </a:t>
+            </a:r>
+            <a:r>
+              <a:rPr lang="nl-BE"/>
+              <a:t>aan kunnen)</a:t>
+            </a:r>
+          </a:p>
+        </p:txBody>
+      </p:sp>
+    </p:spTree>
+    <p:extLst>
+      <p:ext uri="{BB962C8B-B14F-4D97-AF65-F5344CB8AC3E}">
+        <p14:creationId xmlns:p14="http://schemas.microsoft.com/office/powerpoint/2010/main" val="517849650"/>
+      </p:ext>
+    </p:extLst>
+  </p:cSld>
+  <p:clrMapOvr>
+    <a:masterClrMapping/>
+  </p:clrMapOvr>
+</p:sld>
+</file>
+
+<file path=ppt/slides/slide6.xml><?xml version="1.0" encoding="utf-8"?>
+<p:sld xmlns:a="http://schemas.openxmlformats.org/drawingml/2006/main" xmlns:r="http://schemas.openxmlformats.org/officeDocument/2006/relationships" xmlns:p="http://schemas.openxmlformats.org/presentationml/2006/main">
+  <p:cSld>
+    <p:spTree>
+      <p:nvGrpSpPr>
+        <p:cNvPr id="1" name=""/>
+        <p:cNvGrpSpPr/>
+        <p:nvPr/>
+      </p:nvGrpSpPr>
+      <p:grpSpPr>
+        <a:xfrm>
+          <a:off x="0" y="0"/>
+          <a:ext cx="0" cy="0"/>
+          <a:chOff x="0" y="0"/>
+          <a:chExt cx="0" cy="0"/>
+        </a:xfrm>
+      </p:grpSpPr>
+      <p:sp>
+        <p:nvSpPr>
           <p:cNvPr id="2" name="Titel 1"/>
           <p:cNvSpPr>
             <a:spLocks noGrp="1"/>
@@ -14178,7 +14707,7 @@
         <p:spPr>
           <a:xfrm>
             <a:off x="3415992" y="2649706"/>
-            <a:ext cx="5376793" cy="369332"/>
+            <a:ext cx="6263253" cy="369332"/>
           </a:xfrm>
           <a:prstGeom prst="rect">
             <a:avLst/>
@@ -14191,7 +14720,7 @@
           <a:lstStyle/>
           <a:p>
             <a:r>
-              <a:rPr lang="nl-BE" dirty="0">
+              <a:rPr lang="nl-BE" dirty="0" err="1">
                 <a:solidFill>
                   <a:srgbClr val="0000FF"/>
                 </a:solidFill>
@@ -14200,7 +14729,19 @@
                 </a:highlight>
                 <a:latin typeface="Consolas" panose="020B0609020204030204" pitchFamily="49" charset="0"/>
               </a:rPr>
-              <a:t>string</a:t>
+              <a:t>tatic</a:t>
+            </a:r>
+            <a:r>
+              <a:rPr lang="nl-BE" dirty="0">
+                <a:solidFill>
+                  <a:srgbClr val="0000FF"/>
+                </a:solidFill>
+                <a:highlight>
+                  <a:srgbClr val="FFFFFF"/>
+                </a:highlight>
+                <a:latin typeface="Consolas" panose="020B0609020204030204" pitchFamily="49" charset="0"/>
+              </a:rPr>
+              <a:t> string</a:t>
             </a:r>
             <a:r>
               <a:rPr lang="nl-BE" dirty="0">
@@ -14303,7 +14844,7 @@
 </p:sld>
 </file>
 
-<file path=ppt/slides/slide6.xml><?xml version="1.0" encoding="utf-8"?>
+<file path=ppt/slides/slide7.xml><?xml version="1.0" encoding="utf-8"?>
 <p:sld xmlns:a="http://schemas.openxmlformats.org/drawingml/2006/main" xmlns:r="http://schemas.openxmlformats.org/officeDocument/2006/relationships" xmlns:p="http://schemas.openxmlformats.org/presentationml/2006/main">
   <p:cSld>
     <p:spTree>
@@ -14592,7 +15133,7 @@
 </p:sld>
 </file>
 
-<file path=ppt/slides/slide7.xml><?xml version="1.0" encoding="utf-8"?>
+<file path=ppt/slides/slide8.xml><?xml version="1.0" encoding="utf-8"?>
 <p:sld xmlns:a="http://schemas.openxmlformats.org/drawingml/2006/main" xmlns:r="http://schemas.openxmlformats.org/officeDocument/2006/relationships" xmlns:p="http://schemas.openxmlformats.org/presentationml/2006/main">
   <p:cSld>
     <p:spTree>
@@ -14959,7 +15500,7 @@
 </p:sld>
 </file>
 
-<file path=ppt/slides/slide8.xml><?xml version="1.0" encoding="utf-8"?>
+<file path=ppt/slides/slide9.xml><?xml version="1.0" encoding="utf-8"?>
 <p:sld xmlns:a="http://schemas.openxmlformats.org/drawingml/2006/main" xmlns:r="http://schemas.openxmlformats.org/officeDocument/2006/relationships" xmlns:p="http://schemas.openxmlformats.org/presentationml/2006/main">
   <p:cSld>
     <p:spTree>
@@ -16205,409 +16746,6 @@
       <p:bldP spid="36" grpId="0"/>
     </p:bldLst>
   </p:timing>
-</p:sld>
-</file>
-
-<file path=ppt/slides/slide9.xml><?xml version="1.0" encoding="utf-8"?>
-<p:sld xmlns:a="http://schemas.openxmlformats.org/drawingml/2006/main" xmlns:r="http://schemas.openxmlformats.org/officeDocument/2006/relationships" xmlns:p="http://schemas.openxmlformats.org/presentationml/2006/main">
-  <p:cSld>
-    <p:spTree>
-      <p:nvGrpSpPr>
-        <p:cNvPr id="1" name=""/>
-        <p:cNvGrpSpPr/>
-        <p:nvPr/>
-      </p:nvGrpSpPr>
-      <p:grpSpPr>
-        <a:xfrm>
-          <a:off x="0" y="0"/>
-          <a:ext cx="0" cy="0"/>
-          <a:chOff x="0" y="0"/>
-          <a:chExt cx="0" cy="0"/>
-        </a:xfrm>
-      </p:grpSpPr>
-      <p:sp>
-        <p:nvSpPr>
-          <p:cNvPr id="2" name="Titel 1"/>
-          <p:cNvSpPr>
-            <a:spLocks noGrp="1"/>
-          </p:cNvSpPr>
-          <p:nvPr>
-            <p:ph type="title"/>
-          </p:nvPr>
-        </p:nvSpPr>
-        <p:spPr/>
-        <p:txBody>
-          <a:bodyPr/>
-          <a:lstStyle/>
-          <a:p>
-            <a:r>
-              <a:rPr lang="nl-BE" dirty="0"/>
-              <a:t>Stap 1: Aanroep Naam generator v1</a:t>
-            </a:r>
-          </a:p>
-        </p:txBody>
-      </p:sp>
-      <p:sp>
-        <p:nvSpPr>
-          <p:cNvPr id="3" name="Tijdelijke aanduiding voor inhoud 2"/>
-          <p:cNvSpPr>
-            <a:spLocks noGrp="1"/>
-          </p:cNvSpPr>
-          <p:nvPr>
-            <p:ph idx="1"/>
-          </p:nvPr>
-        </p:nvSpPr>
-        <p:spPr/>
-        <p:txBody>
-          <a:bodyPr/>
-          <a:lstStyle/>
-          <a:p>
-            <a:r>
-              <a:rPr lang="nl-BE" dirty="0"/>
-              <a:t>Bijvoorbeeld achter knop</a:t>
-            </a:r>
-          </a:p>
-        </p:txBody>
-      </p:sp>
-      <p:sp>
-        <p:nvSpPr>
-          <p:cNvPr id="4" name="Rechthoek 3"/>
-          <p:cNvSpPr/>
-          <p:nvPr/>
-        </p:nvSpPr>
-        <p:spPr>
-          <a:xfrm>
-            <a:off x="2141989" y="5530632"/>
-            <a:ext cx="6096000" cy="646331"/>
-          </a:xfrm>
-          <a:prstGeom prst="rect">
-            <a:avLst/>
-          </a:prstGeom>
-        </p:spPr>
-        <p:txBody>
-          <a:bodyPr>
-            <a:spAutoFit/>
-          </a:bodyPr>
-          <a:lstStyle/>
-          <a:p>
-            <a:r>
-              <a:rPr lang="nl-BE" dirty="0">
-                <a:solidFill>
-                  <a:srgbClr val="000000"/>
-                </a:solidFill>
-                <a:highlight>
-                  <a:srgbClr val="FFFFFF"/>
-                </a:highlight>
-                <a:latin typeface="Consolas" panose="020B0609020204030204" pitchFamily="49" charset="0"/>
-              </a:rPr>
-              <a:t> </a:t>
-            </a:r>
-            <a:r>
-              <a:rPr lang="nl-BE" dirty="0">
-                <a:solidFill>
-                  <a:srgbClr val="0000FF"/>
-                </a:solidFill>
-                <a:highlight>
-                  <a:srgbClr val="FFFFFF"/>
-                </a:highlight>
-                <a:latin typeface="Consolas" panose="020B0609020204030204" pitchFamily="49" charset="0"/>
-              </a:rPr>
-              <a:t>string</a:t>
-            </a:r>
-            <a:r>
-              <a:rPr lang="nl-BE" dirty="0">
-                <a:solidFill>
-                  <a:srgbClr val="000000"/>
-                </a:solidFill>
-                <a:highlight>
-                  <a:srgbClr val="FFFFFF"/>
-                </a:highlight>
-                <a:latin typeface="Consolas" panose="020B0609020204030204" pitchFamily="49" charset="0"/>
-              </a:rPr>
-              <a:t> </a:t>
-            </a:r>
-            <a:r>
-              <a:rPr lang="nl-BE" dirty="0" err="1">
-                <a:solidFill>
-                  <a:srgbClr val="000000"/>
-                </a:solidFill>
-                <a:highlight>
-                  <a:srgbClr val="FFFFFF"/>
-                </a:highlight>
-                <a:latin typeface="Consolas" panose="020B0609020204030204" pitchFamily="49" charset="0"/>
-              </a:rPr>
-              <a:t>result</a:t>
-            </a:r>
-            <a:r>
-              <a:rPr lang="nl-BE" dirty="0">
-                <a:solidFill>
-                  <a:srgbClr val="000000"/>
-                </a:solidFill>
-                <a:highlight>
-                  <a:srgbClr val="FFFFFF"/>
-                </a:highlight>
-                <a:latin typeface="Consolas" panose="020B0609020204030204" pitchFamily="49" charset="0"/>
-              </a:rPr>
-              <a:t> = </a:t>
-            </a:r>
-            <a:r>
-              <a:rPr lang="nl-BE" dirty="0" err="1">
-                <a:solidFill>
-                  <a:srgbClr val="000000"/>
-                </a:solidFill>
-                <a:highlight>
-                  <a:srgbClr val="FFFFFF"/>
-                </a:highlight>
-                <a:latin typeface="Consolas" panose="020B0609020204030204" pitchFamily="49" charset="0"/>
-              </a:rPr>
-              <a:t>GenerateNameSimple</a:t>
-            </a:r>
-            <a:r>
-              <a:rPr lang="nl-BE" dirty="0">
-                <a:solidFill>
-                  <a:srgbClr val="000000"/>
-                </a:solidFill>
-                <a:highlight>
-                  <a:srgbClr val="FFFFFF"/>
-                </a:highlight>
-                <a:latin typeface="Consolas" panose="020B0609020204030204" pitchFamily="49" charset="0"/>
-              </a:rPr>
-              <a:t>(10);</a:t>
-            </a:r>
-          </a:p>
-          <a:p>
-            <a:r>
-              <a:rPr lang="nl-BE" dirty="0">
-                <a:solidFill>
-                  <a:srgbClr val="000000"/>
-                </a:solidFill>
-                <a:highlight>
-                  <a:srgbClr val="FFFFFF"/>
-                </a:highlight>
-                <a:latin typeface="Consolas" panose="020B0609020204030204" pitchFamily="49" charset="0"/>
-              </a:rPr>
-              <a:t> </a:t>
-            </a:r>
-            <a:r>
-              <a:rPr lang="nl-BE" dirty="0" err="1">
-                <a:solidFill>
-                  <a:srgbClr val="2B91AF"/>
-                </a:solidFill>
-                <a:highlight>
-                  <a:srgbClr val="FFFFFF"/>
-                </a:highlight>
-                <a:latin typeface="Consolas" panose="020B0609020204030204" pitchFamily="49" charset="0"/>
-              </a:rPr>
-              <a:t>Console.WriteLine</a:t>
-            </a:r>
-            <a:r>
-              <a:rPr lang="nl-BE" dirty="0">
-                <a:solidFill>
-                  <a:srgbClr val="000000"/>
-                </a:solidFill>
-                <a:highlight>
-                  <a:srgbClr val="FFFFFF"/>
-                </a:highlight>
-                <a:latin typeface="Consolas" panose="020B0609020204030204" pitchFamily="49" charset="0"/>
-              </a:rPr>
-              <a:t>(</a:t>
-            </a:r>
-            <a:r>
-              <a:rPr lang="nl-BE" dirty="0" err="1">
-                <a:solidFill>
-                  <a:srgbClr val="000000"/>
-                </a:solidFill>
-                <a:highlight>
-                  <a:srgbClr val="FFFFFF"/>
-                </a:highlight>
-                <a:latin typeface="Consolas" panose="020B0609020204030204" pitchFamily="49" charset="0"/>
-              </a:rPr>
-              <a:t>result</a:t>
-            </a:r>
-            <a:r>
-              <a:rPr lang="nl-BE" dirty="0">
-                <a:solidFill>
-                  <a:srgbClr val="000000"/>
-                </a:solidFill>
-                <a:highlight>
-                  <a:srgbClr val="FFFFFF"/>
-                </a:highlight>
-                <a:latin typeface="Consolas" panose="020B0609020204030204" pitchFamily="49" charset="0"/>
-              </a:rPr>
-              <a:t>);</a:t>
-            </a:r>
-            <a:endParaRPr lang="nl-BE" dirty="0"/>
-          </a:p>
-        </p:txBody>
-      </p:sp>
-      <p:sp>
-        <p:nvSpPr>
-          <p:cNvPr id="6" name="Pijl-rechts 5"/>
-          <p:cNvSpPr/>
-          <p:nvPr/>
-        </p:nvSpPr>
-        <p:spPr>
-          <a:xfrm rot="16200000">
-            <a:off x="5703963" y="4302075"/>
-            <a:ext cx="1938967" cy="645948"/>
-          </a:xfrm>
-          <a:prstGeom prst="rightArrow">
-            <a:avLst/>
-          </a:prstGeom>
-        </p:spPr>
-        <p:style>
-          <a:lnRef idx="2">
-            <a:schemeClr val="accent1">
-              <a:shade val="50000"/>
-            </a:schemeClr>
-          </a:lnRef>
-          <a:fillRef idx="1">
-            <a:schemeClr val="accent1"/>
-          </a:fillRef>
-          <a:effectRef idx="0">
-            <a:schemeClr val="accent1"/>
-          </a:effectRef>
-          <a:fontRef idx="minor">
-            <a:schemeClr val="lt1"/>
-          </a:fontRef>
-        </p:style>
-        <p:txBody>
-          <a:bodyPr rtlCol="0" anchor="ctr"/>
-          <a:lstStyle/>
-          <a:p>
-            <a:pPr algn="ctr"/>
-            <a:r>
-              <a:rPr lang="nl-BE" sz="1600" dirty="0" err="1"/>
-              <a:t>NameLength</a:t>
-            </a:r>
-            <a:r>
-              <a:rPr lang="nl-BE" sz="1600" dirty="0"/>
-              <a:t> , 10</a:t>
-            </a:r>
-          </a:p>
-        </p:txBody>
-      </p:sp>
-      <p:sp>
-        <p:nvSpPr>
-          <p:cNvPr id="7" name="Pijl-rechts 6"/>
-          <p:cNvSpPr/>
-          <p:nvPr/>
-        </p:nvSpPr>
-        <p:spPr>
-          <a:xfrm rot="16200000" flipH="1">
-            <a:off x="2745697" y="4365437"/>
-            <a:ext cx="1939858" cy="520117"/>
-          </a:xfrm>
-          <a:prstGeom prst="rightArrow">
-            <a:avLst/>
-          </a:prstGeom>
-        </p:spPr>
-        <p:style>
-          <a:lnRef idx="2">
-            <a:schemeClr val="accent1">
-              <a:shade val="50000"/>
-            </a:schemeClr>
-          </a:lnRef>
-          <a:fillRef idx="1">
-            <a:schemeClr val="accent1"/>
-          </a:fillRef>
-          <a:effectRef idx="0">
-            <a:schemeClr val="accent1"/>
-          </a:effectRef>
-          <a:fontRef idx="minor">
-            <a:schemeClr val="lt1"/>
-          </a:fontRef>
-        </p:style>
-        <p:txBody>
-          <a:bodyPr rtlCol="0" anchor="ctr"/>
-          <a:lstStyle/>
-          <a:p>
-            <a:pPr algn="ctr"/>
-            <a:r>
-              <a:rPr lang="nl-BE" dirty="0"/>
-              <a:t>Name</a:t>
-            </a:r>
-          </a:p>
-        </p:txBody>
-      </p:sp>
-      <p:sp>
-        <p:nvSpPr>
-          <p:cNvPr id="5" name="Rechthoek 4"/>
-          <p:cNvSpPr/>
-          <p:nvPr/>
-        </p:nvSpPr>
-        <p:spPr>
-          <a:xfrm>
-            <a:off x="3512191" y="2844152"/>
-            <a:ext cx="3355596" cy="811413"/>
-          </a:xfrm>
-          <a:prstGeom prst="rect">
-            <a:avLst/>
-          </a:prstGeom>
-        </p:spPr>
-        <p:style>
-          <a:lnRef idx="2">
-            <a:schemeClr val="accent1">
-              <a:shade val="50000"/>
-            </a:schemeClr>
-          </a:lnRef>
-          <a:fillRef idx="1">
-            <a:schemeClr val="accent1"/>
-          </a:fillRef>
-          <a:effectRef idx="0">
-            <a:schemeClr val="accent1"/>
-          </a:effectRef>
-          <a:fontRef idx="minor">
-            <a:schemeClr val="lt1"/>
-          </a:fontRef>
-        </p:style>
-        <p:txBody>
-          <a:bodyPr rtlCol="0" anchor="ctr"/>
-          <a:lstStyle/>
-          <a:p>
-            <a:pPr algn="ctr"/>
-            <a:r>
-              <a:rPr lang="nl-BE" dirty="0" err="1"/>
-              <a:t>GenerateNameSimple</a:t>
-            </a:r>
-            <a:endParaRPr lang="nl-BE" dirty="0"/>
-          </a:p>
-        </p:txBody>
-      </p:sp>
-      <p:pic>
-        <p:nvPicPr>
-          <p:cNvPr id="8" name="Afbeelding 7"/>
-          <p:cNvPicPr>
-            <a:picLocks noChangeAspect="1"/>
-          </p:cNvPicPr>
-          <p:nvPr/>
-        </p:nvPicPr>
-        <p:blipFill>
-          <a:blip r:embed="rId2"/>
-          <a:stretch>
-            <a:fillRect/>
-          </a:stretch>
-        </p:blipFill>
-        <p:spPr>
-          <a:xfrm>
-            <a:off x="10541577" y="415925"/>
-            <a:ext cx="1333500" cy="1409700"/>
-          </a:xfrm>
-          <a:prstGeom prst="rect">
-            <a:avLst/>
-          </a:prstGeom>
-        </p:spPr>
-      </p:pic>
-    </p:spTree>
-    <p:extLst>
-      <p:ext uri="{BB962C8B-B14F-4D97-AF65-F5344CB8AC3E}">
-        <p14:creationId xmlns:p14="http://schemas.microsoft.com/office/powerpoint/2010/main" val="963736240"/>
-      </p:ext>
-    </p:extLst>
-  </p:cSld>
-  <p:clrMapOvr>
-    <a:masterClrMapping/>
-  </p:clrMapOvr>
 </p:sld>
 </file>
 
